--- a/附件/attachment5/演示文稿.pptx
+++ b/附件/attachment5/演示文稿.pptx
@@ -5,32 +5,33 @@
     <p:sldMasterId id="2147483648" r:id="rId1"/>
   </p:sldMasterIdLst>
   <p:notesMasterIdLst>
-    <p:notesMasterId r:id="rId25"/>
+    <p:notesMasterId r:id="rId26"/>
   </p:notesMasterIdLst>
   <p:sldIdLst>
     <p:sldId id="256" r:id="rId2"/>
-    <p:sldId id="276" r:id="rId3"/>
-    <p:sldId id="257" r:id="rId4"/>
-    <p:sldId id="275" r:id="rId5"/>
-    <p:sldId id="258" r:id="rId6"/>
-    <p:sldId id="261" r:id="rId7"/>
-    <p:sldId id="262" r:id="rId8"/>
-    <p:sldId id="263" r:id="rId9"/>
-    <p:sldId id="264" r:id="rId10"/>
-    <p:sldId id="277" r:id="rId11"/>
-    <p:sldId id="278" r:id="rId12"/>
-    <p:sldId id="265" r:id="rId13"/>
-    <p:sldId id="259" r:id="rId14"/>
-    <p:sldId id="260" r:id="rId15"/>
-    <p:sldId id="266" r:id="rId16"/>
-    <p:sldId id="267" r:id="rId17"/>
-    <p:sldId id="268" r:id="rId18"/>
-    <p:sldId id="269" r:id="rId19"/>
-    <p:sldId id="272" r:id="rId20"/>
-    <p:sldId id="273" r:id="rId21"/>
-    <p:sldId id="274" r:id="rId22"/>
-    <p:sldId id="270" r:id="rId23"/>
-    <p:sldId id="271" r:id="rId24"/>
+    <p:sldId id="279" r:id="rId3"/>
+    <p:sldId id="276" r:id="rId4"/>
+    <p:sldId id="257" r:id="rId5"/>
+    <p:sldId id="275" r:id="rId6"/>
+    <p:sldId id="258" r:id="rId7"/>
+    <p:sldId id="261" r:id="rId8"/>
+    <p:sldId id="262" r:id="rId9"/>
+    <p:sldId id="263" r:id="rId10"/>
+    <p:sldId id="264" r:id="rId11"/>
+    <p:sldId id="277" r:id="rId12"/>
+    <p:sldId id="278" r:id="rId13"/>
+    <p:sldId id="265" r:id="rId14"/>
+    <p:sldId id="259" r:id="rId15"/>
+    <p:sldId id="260" r:id="rId16"/>
+    <p:sldId id="266" r:id="rId17"/>
+    <p:sldId id="267" r:id="rId18"/>
+    <p:sldId id="268" r:id="rId19"/>
+    <p:sldId id="269" r:id="rId20"/>
+    <p:sldId id="272" r:id="rId21"/>
+    <p:sldId id="273" r:id="rId22"/>
+    <p:sldId id="274" r:id="rId23"/>
+    <p:sldId id="270" r:id="rId24"/>
+    <p:sldId id="271" r:id="rId25"/>
   </p:sldIdLst>
   <p:sldSz cx="9144000" cy="6858000" type="screen4x3"/>
   <p:notesSz cx="6858000" cy="9144000"/>
@@ -135,6 +136,7 @@
         <p14:section name="标题" id="{E4EA61D7-81CB-4985-9DD8-3563BF50C972}">
           <p14:sldIdLst>
             <p14:sldId id="256"/>
+            <p14:sldId id="279"/>
           </p14:sldIdLst>
         </p14:section>
         <p14:section name="背景和意义" id="{3C898498-EA2F-4A0E-84CE-EDA1F6BAA0FE}">
@@ -266,7 +268,7 @@
           <a:p>
             <a:fld id="{A2ACD018-E07C-4EFD-BDE7-B47AA55B6114}" type="datetimeFigureOut">
               <a:rPr lang="zh-CN" altLang="en-US" smtClean="0"/>
-              <a:t>2014/6/14</a:t>
+              <a:t>2014/6/15</a:t>
             </a:fld>
             <a:endParaRPr lang="zh-CN" altLang="en-US"/>
           </a:p>
@@ -844,7 +846,7 @@
           <a:p>
             <a:fld id="{707762C2-AD83-40FA-BE0F-C88727972321}" type="slidenum">
               <a:rPr lang="zh-CN" altLang="en-US" smtClean="0"/>
-              <a:t>13</a:t>
+              <a:t>14</a:t>
             </a:fld>
             <a:endParaRPr lang="zh-CN" altLang="en-US"/>
           </a:p>
@@ -928,7 +930,7 @@
           <a:p>
             <a:fld id="{707762C2-AD83-40FA-BE0F-C88727972321}" type="slidenum">
               <a:rPr lang="zh-CN" altLang="en-US" smtClean="0"/>
-              <a:t>23</a:t>
+              <a:t>24</a:t>
             </a:fld>
             <a:endParaRPr lang="zh-CN" altLang="en-US"/>
           </a:p>
@@ -1672,7 +1674,7 @@
             <a:fld id="{B61BEF0D-F0BB-DE4B-95CE-6DB70DBA9567}" type="datetimeFigureOut">
               <a:rPr lang="en-US" dirty="0"/>
               <a:pPr/>
-              <a:t>6/14/2014</a:t>
+              <a:t>6/15/2014</a:t>
             </a:fld>
             <a:endParaRPr lang="en-US" dirty="0"/>
           </a:p>
@@ -1920,7 +1922,7 @@
             <a:fld id="{B61BEF0D-F0BB-DE4B-95CE-6DB70DBA9567}" type="datetimeFigureOut">
               <a:rPr lang="en-US" dirty="0"/>
               <a:pPr/>
-              <a:t>6/14/2014</a:t>
+              <a:t>6/15/2014</a:t>
             </a:fld>
             <a:endParaRPr lang="en-US" dirty="0"/>
           </a:p>
@@ -2231,7 +2233,7 @@
             <a:fld id="{B61BEF0D-F0BB-DE4B-95CE-6DB70DBA9567}" type="datetimeFigureOut">
               <a:rPr lang="en-US" dirty="0"/>
               <a:pPr/>
-              <a:t>6/14/2014</a:t>
+              <a:t>6/15/2014</a:t>
             </a:fld>
             <a:endParaRPr lang="en-US" dirty="0"/>
           </a:p>
@@ -2555,7 +2557,7 @@
             <a:fld id="{B61BEF0D-F0BB-DE4B-95CE-6DB70DBA9567}" type="datetimeFigureOut">
               <a:rPr lang="en-US" dirty="0"/>
               <a:pPr/>
-              <a:t>6/14/2014</a:t>
+              <a:t>6/15/2014</a:t>
             </a:fld>
             <a:endParaRPr lang="en-US" dirty="0"/>
           </a:p>
@@ -2866,7 +2868,7 @@
             <a:fld id="{B61BEF0D-F0BB-DE4B-95CE-6DB70DBA9567}" type="datetimeFigureOut">
               <a:rPr lang="en-US" dirty="0"/>
               <a:pPr/>
-              <a:t>6/14/2014</a:t>
+              <a:t>6/15/2014</a:t>
             </a:fld>
             <a:endParaRPr lang="en-US" dirty="0"/>
           </a:p>
@@ -3250,7 +3252,7 @@
             <a:fld id="{B61BEF0D-F0BB-DE4B-95CE-6DB70DBA9567}" type="datetimeFigureOut">
               <a:rPr lang="en-US" dirty="0"/>
               <a:pPr/>
-              <a:t>6/14/2014</a:t>
+              <a:t>6/15/2014</a:t>
             </a:fld>
             <a:endParaRPr lang="en-US" dirty="0"/>
           </a:p>
@@ -3416,7 +3418,7 @@
           <a:p>
             <a:fld id="{55C6B4A9-1611-4792-9094-5F34BCA07E0B}" type="datetimeFigureOut">
               <a:rPr lang="en-US" dirty="0"/>
-              <a:t>6/14/2014</a:t>
+              <a:t>6/15/2014</a:t>
             </a:fld>
             <a:endParaRPr lang="en-US" dirty="0"/>
           </a:p>
@@ -3592,7 +3594,7 @@
             <a:fld id="{B61BEF0D-F0BB-DE4B-95CE-6DB70DBA9567}" type="datetimeFigureOut">
               <a:rPr lang="en-US" dirty="0"/>
               <a:pPr/>
-              <a:t>6/14/2014</a:t>
+              <a:t>6/15/2014</a:t>
             </a:fld>
             <a:endParaRPr lang="en-US" dirty="0"/>
           </a:p>
@@ -3765,7 +3767,7 @@
             <a:fld id="{B61BEF0D-F0BB-DE4B-95CE-6DB70DBA9567}" type="datetimeFigureOut">
               <a:rPr lang="en-US" dirty="0"/>
               <a:pPr/>
-              <a:t>6/14/2014</a:t>
+              <a:t>6/15/2014</a:t>
             </a:fld>
             <a:endParaRPr lang="en-US" dirty="0"/>
           </a:p>
@@ -4009,7 +4011,7 @@
             <a:fld id="{B61BEF0D-F0BB-DE4B-95CE-6DB70DBA9567}" type="datetimeFigureOut">
               <a:rPr lang="en-US" dirty="0"/>
               <a:pPr/>
-              <a:t>6/14/2014</a:t>
+              <a:t>6/15/2014</a:t>
             </a:fld>
             <a:endParaRPr lang="en-US" dirty="0"/>
           </a:p>
@@ -4237,7 +4239,7 @@
           <a:p>
             <a:fld id="{EB712588-04B1-427B-82EE-E8DB90309F08}" type="datetimeFigureOut">
               <a:rPr lang="en-US" dirty="0"/>
-              <a:t>6/14/2014</a:t>
+              <a:t>6/15/2014</a:t>
             </a:fld>
             <a:endParaRPr lang="en-US" dirty="0"/>
           </a:p>
@@ -4607,7 +4609,7 @@
             <a:fld id="{B61BEF0D-F0BB-DE4B-95CE-6DB70DBA9567}" type="datetimeFigureOut">
               <a:rPr lang="en-US" dirty="0"/>
               <a:pPr/>
-              <a:t>6/14/2014</a:t>
+              <a:t>6/15/2014</a:t>
             </a:fld>
             <a:endParaRPr lang="en-US" dirty="0"/>
           </a:p>
@@ -4727,7 +4729,7 @@
             <a:fld id="{B61BEF0D-F0BB-DE4B-95CE-6DB70DBA9567}" type="datetimeFigureOut">
               <a:rPr lang="en-US" dirty="0"/>
               <a:pPr/>
-              <a:t>6/14/2014</a:t>
+              <a:t>6/15/2014</a:t>
             </a:fld>
             <a:endParaRPr lang="en-US" dirty="0"/>
           </a:p>
@@ -4819,7 +4821,7 @@
             <a:fld id="{B61BEF0D-F0BB-DE4B-95CE-6DB70DBA9567}" type="datetimeFigureOut">
               <a:rPr lang="en-US" dirty="0"/>
               <a:pPr/>
-              <a:t>6/14/2014</a:t>
+              <a:t>6/15/2014</a:t>
             </a:fld>
             <a:endParaRPr lang="en-US" dirty="0"/>
           </a:p>
@@ -5070,7 +5072,7 @@
           <a:p>
             <a:fld id="{42A54C80-263E-416B-A8E0-580EDEADCBDC}" type="datetimeFigureOut">
               <a:rPr lang="en-US" dirty="0"/>
-              <a:t>6/14/2014</a:t>
+              <a:t>6/15/2014</a:t>
             </a:fld>
             <a:endParaRPr lang="en-US" dirty="0"/>
           </a:p>
@@ -5329,7 +5331,7 @@
             <a:fld id="{B61BEF0D-F0BB-DE4B-95CE-6DB70DBA9567}" type="datetimeFigureOut">
               <a:rPr lang="en-US" dirty="0"/>
               <a:pPr/>
-              <a:t>6/14/2014</a:t>
+              <a:t>6/15/2014</a:t>
             </a:fld>
             <a:endParaRPr lang="en-US" dirty="0"/>
           </a:p>
@@ -6071,7 +6073,7 @@
             <a:fld id="{B61BEF0D-F0BB-DE4B-95CE-6DB70DBA9567}" type="datetimeFigureOut">
               <a:rPr lang="en-US" dirty="0"/>
               <a:pPr/>
-              <a:t>6/14/2014</a:t>
+              <a:t>6/15/2014</a:t>
             </a:fld>
             <a:endParaRPr lang="en-US" dirty="0"/>
           </a:p>
@@ -6724,6 +6726,106 @@
           <a:lstStyle/>
           <a:p>
             <a:r>
+              <a:rPr lang="zh-CN" altLang="en-US" dirty="0"/>
+              <a:t>软件设置</a:t>
+            </a:r>
+          </a:p>
+        </p:txBody>
+      </p:sp>
+      <p:pic>
+        <p:nvPicPr>
+          <p:cNvPr id="4" name="设置"/>
+          <p:cNvPicPr>
+            <a:picLocks noGrp="1" noChangeAspect="1"/>
+          </p:cNvPicPr>
+          <p:nvPr>
+            <p:ph idx="1"/>
+          </p:nvPr>
+        </p:nvPicPr>
+        <p:blipFill>
+          <a:blip r:embed="rId2">
+            <a:extLst>
+              <a:ext uri="{28A0092B-C50C-407E-A947-70E740481C1C}">
+                <a14:useLocalDpi xmlns:a14="http://schemas.microsoft.com/office/drawing/2010/main" val="0"/>
+              </a:ext>
+            </a:extLst>
+          </a:blip>
+          <a:stretch>
+            <a:fillRect/>
+          </a:stretch>
+        </p:blipFill>
+        <p:spPr>
+          <a:xfrm>
+            <a:off x="2160000" y="1296001"/>
+            <a:ext cx="3060000" cy="5444250"/>
+          </a:xfrm>
+        </p:spPr>
+      </p:pic>
+    </p:spTree>
+    <p:extLst>
+      <p:ext uri="{BB962C8B-B14F-4D97-AF65-F5344CB8AC3E}">
+        <p14:creationId xmlns:p14="http://schemas.microsoft.com/office/powerpoint/2010/main" val="1211409849"/>
+      </p:ext>
+    </p:extLst>
+  </p:cSld>
+  <p:clrMapOvr>
+    <a:masterClrMapping/>
+  </p:clrMapOvr>
+  <mc:AlternateContent xmlns:mc="http://schemas.openxmlformats.org/markup-compatibility/2006" xmlns:p15="http://schemas.microsoft.com/office/powerpoint/2012/main">
+    <mc:Choice Requires="p15">
+      <p:transition xmlns:p14="http://schemas.microsoft.com/office/powerpoint/2010/main" p14:dur="250">
+        <p15:prstTrans prst="peelOff"/>
+      </p:transition>
+    </mc:Choice>
+    <mc:Fallback xmlns="">
+      <p:transition>
+        <p:fade/>
+      </p:transition>
+    </mc:Fallback>
+  </mc:AlternateContent>
+  <p:timing>
+    <p:tnLst>
+      <p:par>
+        <p:cTn id="1" dur="indefinite" restart="never" nodeType="tmRoot"/>
+      </p:par>
+    </p:tnLst>
+  </p:timing>
+</p:sld>
+</file>
+
+<file path=ppt/slides/slide11.xml><?xml version="1.0" encoding="utf-8"?>
+<p:sld xmlns:a="http://schemas.openxmlformats.org/drawingml/2006/main" xmlns:r="http://schemas.openxmlformats.org/officeDocument/2006/relationships" xmlns:p="http://schemas.openxmlformats.org/presentationml/2006/main">
+  <p:cSld>
+    <p:spTree>
+      <p:nvGrpSpPr>
+        <p:cNvPr id="1" name=""/>
+        <p:cNvGrpSpPr/>
+        <p:nvPr/>
+      </p:nvGrpSpPr>
+      <p:grpSpPr>
+        <a:xfrm>
+          <a:off x="0" y="0"/>
+          <a:ext cx="0" cy="0"/>
+          <a:chOff x="0" y="0"/>
+          <a:chExt cx="0" cy="0"/>
+        </a:xfrm>
+      </p:grpSpPr>
+      <p:sp>
+        <p:nvSpPr>
+          <p:cNvPr id="2" name="标题 1"/>
+          <p:cNvSpPr>
+            <a:spLocks noGrp="1"/>
+          </p:cNvSpPr>
+          <p:nvPr>
+            <p:ph type="title"/>
+          </p:nvPr>
+        </p:nvSpPr>
+        <p:spPr/>
+        <p:txBody>
+          <a:bodyPr/>
+          <a:lstStyle/>
+          <a:p>
+            <a:r>
               <a:rPr lang="zh-CN" altLang="en-US" dirty="0" smtClean="0"/>
               <a:t>特色与优势</a:t>
             </a:r>
@@ -6782,7 +6884,7 @@
 </p:sld>
 </file>
 
-<file path=ppt/slides/slide11.xml><?xml version="1.0" encoding="utf-8"?>
+<file path=ppt/slides/slide12.xml><?xml version="1.0" encoding="utf-8"?>
 <p:sld xmlns:a="http://schemas.openxmlformats.org/drawingml/2006/main" xmlns:r="http://schemas.openxmlformats.org/officeDocument/2006/relationships" xmlns:p="http://schemas.openxmlformats.org/presentationml/2006/main">
   <p:cSld>
     <p:spTree>
@@ -7105,7 +7207,7 @@
 </p:sld>
 </file>
 
-<file path=ppt/slides/slide12.xml><?xml version="1.0" encoding="utf-8"?>
+<file path=ppt/slides/slide13.xml><?xml version="1.0" encoding="utf-8"?>
 <p:sld xmlns:a="http://schemas.openxmlformats.org/drawingml/2006/main" xmlns:r="http://schemas.openxmlformats.org/officeDocument/2006/relationships" xmlns:p="http://schemas.openxmlformats.org/presentationml/2006/main">
   <p:cSld>
     <p:spTree>
@@ -7473,7 +7575,7 @@
 </p:sld>
 </file>
 
-<file path=ppt/slides/slide13.xml><?xml version="1.0" encoding="utf-8"?>
+<file path=ppt/slides/slide14.xml><?xml version="1.0" encoding="utf-8"?>
 <p:sld xmlns:a="http://schemas.openxmlformats.org/drawingml/2006/main" xmlns:r="http://schemas.openxmlformats.org/officeDocument/2006/relationships" xmlns:p="http://schemas.openxmlformats.org/presentationml/2006/main">
   <p:cSld>
     <p:spTree>
@@ -7593,7 +7695,7 @@
 </p:sld>
 </file>
 
-<file path=ppt/slides/slide14.xml><?xml version="1.0" encoding="utf-8"?>
+<file path=ppt/slides/slide15.xml><?xml version="1.0" encoding="utf-8"?>
 <p:sld xmlns:a="http://schemas.openxmlformats.org/drawingml/2006/main" xmlns:r="http://schemas.openxmlformats.org/officeDocument/2006/relationships" xmlns:p="http://schemas.openxmlformats.org/presentationml/2006/main">
   <p:cSld>
     <p:spTree>
@@ -7684,7 +7786,7 @@
 </p:sld>
 </file>
 
-<file path=ppt/slides/slide15.xml><?xml version="1.0" encoding="utf-8"?>
+<file path=ppt/slides/slide16.xml><?xml version="1.0" encoding="utf-8"?>
 <p:sld xmlns:a="http://schemas.openxmlformats.org/drawingml/2006/main" xmlns:r="http://schemas.openxmlformats.org/officeDocument/2006/relationships" xmlns:p="http://schemas.openxmlformats.org/presentationml/2006/main">
   <p:cSld>
     <p:spTree>
@@ -7782,7 +7884,7 @@
 </p:sld>
 </file>
 
-<file path=ppt/slides/slide16.xml><?xml version="1.0" encoding="utf-8"?>
+<file path=ppt/slides/slide17.xml><?xml version="1.0" encoding="utf-8"?>
 <p:sld xmlns:a="http://schemas.openxmlformats.org/drawingml/2006/main" xmlns:r="http://schemas.openxmlformats.org/officeDocument/2006/relationships" xmlns:p="http://schemas.openxmlformats.org/presentationml/2006/main">
   <p:cSld>
     <p:spTree>
@@ -8125,7 +8227,7 @@
 </p:sld>
 </file>
 
-<file path=ppt/slides/slide17.xml><?xml version="1.0" encoding="utf-8"?>
+<file path=ppt/slides/slide18.xml><?xml version="1.0" encoding="utf-8"?>
 <p:sld xmlns:a="http://schemas.openxmlformats.org/drawingml/2006/main" xmlns:r="http://schemas.openxmlformats.org/officeDocument/2006/relationships" xmlns:p="http://schemas.openxmlformats.org/presentationml/2006/main">
   <p:cSld>
     <p:spTree>
@@ -8231,7 +8333,7 @@
 </p:sld>
 </file>
 
-<file path=ppt/slides/slide18.xml><?xml version="1.0" encoding="utf-8"?>
+<file path=ppt/slides/slide19.xml><?xml version="1.0" encoding="utf-8"?>
 <p:sld xmlns:a="http://schemas.openxmlformats.org/drawingml/2006/main" xmlns:r="http://schemas.openxmlformats.org/officeDocument/2006/relationships" xmlns:p="http://schemas.openxmlformats.org/presentationml/2006/main">
   <p:cSld>
     <p:spTree>
@@ -8325,255 +8427,6 @@
 </p:sld>
 </file>
 
-<file path=ppt/slides/slide19.xml><?xml version="1.0" encoding="utf-8"?>
-<p:sld xmlns:a="http://schemas.openxmlformats.org/drawingml/2006/main" xmlns:r="http://schemas.openxmlformats.org/officeDocument/2006/relationships" xmlns:p="http://schemas.openxmlformats.org/presentationml/2006/main">
-  <p:cSld>
-    <p:spTree>
-      <p:nvGrpSpPr>
-        <p:cNvPr id="1" name=""/>
-        <p:cNvGrpSpPr/>
-        <p:nvPr/>
-      </p:nvGrpSpPr>
-      <p:grpSpPr>
-        <a:xfrm>
-          <a:off x="0" y="0"/>
-          <a:ext cx="0" cy="0"/>
-          <a:chOff x="0" y="0"/>
-          <a:chExt cx="0" cy="0"/>
-        </a:xfrm>
-      </p:grpSpPr>
-      <p:sp>
-        <p:nvSpPr>
-          <p:cNvPr id="2" name="标题 1"/>
-          <p:cNvSpPr>
-            <a:spLocks noGrp="1"/>
-          </p:cNvSpPr>
-          <p:nvPr>
-            <p:ph type="title"/>
-          </p:nvPr>
-        </p:nvSpPr>
-        <p:spPr/>
-        <p:txBody>
-          <a:bodyPr/>
-          <a:lstStyle/>
-          <a:p>
-            <a:r>
-              <a:rPr lang="zh-CN" altLang="en-US" dirty="0"/>
-              <a:t>解析</a:t>
-            </a:r>
-            <a:r>
-              <a:rPr lang="zh-CN" altLang="en-US" dirty="0" smtClean="0"/>
-              <a:t>器的使用</a:t>
-            </a:r>
-            <a:endParaRPr lang="zh-CN" altLang="en-US" dirty="0"/>
-          </a:p>
-        </p:txBody>
-      </p:sp>
-      <p:sp>
-        <p:nvSpPr>
-          <p:cNvPr id="4" name="文本框 3"/>
-          <p:cNvSpPr txBox="1"/>
-          <p:nvPr/>
-        </p:nvSpPr>
-        <p:spPr>
-          <a:xfrm>
-            <a:off x="72571" y="1748967"/>
-            <a:ext cx="8157028" cy="4154984"/>
-          </a:xfrm>
-          <a:prstGeom prst="rect">
-            <a:avLst/>
-          </a:prstGeom>
-          <a:noFill/>
-        </p:spPr>
-        <p:txBody>
-          <a:bodyPr wrap="square" rtlCol="0">
-            <a:spAutoFit/>
-          </a:bodyPr>
-          <a:lstStyle/>
-          <a:p>
-            <a:r>
-              <a:rPr lang="en-US" altLang="zh-CN" sz="2400" dirty="0" err="1" smtClean="0"/>
-              <a:t>ConnectionAgent</a:t>
-            </a:r>
-            <a:r>
-              <a:rPr lang="en-US" altLang="zh-CN" sz="2400" dirty="0" smtClean="0"/>
-              <a:t> </a:t>
-            </a:r>
-            <a:r>
-              <a:rPr lang="en-US" altLang="zh-CN" sz="2400" dirty="0" err="1"/>
-              <a:t>connectionAgent</a:t>
-            </a:r>
-            <a:r>
-              <a:rPr lang="en-US" altLang="zh-CN" sz="2400" dirty="0"/>
-              <a:t> =</a:t>
-            </a:r>
-          </a:p>
-          <a:p>
-            <a:r>
-              <a:rPr lang="en-US" altLang="zh-CN" sz="2400" dirty="0"/>
-              <a:t>    new </a:t>
-            </a:r>
-            <a:r>
-              <a:rPr lang="en-US" altLang="zh-CN" sz="2400" dirty="0" err="1"/>
-              <a:t>SSFWWebsiteConnectionAgent</a:t>
-            </a:r>
-            <a:r>
-              <a:rPr lang="en-US" altLang="zh-CN" sz="2400" dirty="0"/>
-              <a:t>().</a:t>
-            </a:r>
-          </a:p>
-          <a:p>
-            <a:r>
-              <a:rPr lang="en-US" altLang="zh-CN" sz="2400" dirty="0"/>
-              <a:t>        </a:t>
-            </a:r>
-            <a:r>
-              <a:rPr lang="en-US" altLang="zh-CN" sz="2400" dirty="0" err="1"/>
-              <a:t>setAccount</a:t>
-            </a:r>
-            <a:r>
-              <a:rPr lang="en-US" altLang="zh-CN" sz="2400" dirty="0"/>
-              <a:t>("20106173", "20106173");</a:t>
-            </a:r>
-          </a:p>
-          <a:p>
-            <a:r>
-              <a:rPr lang="en-US" altLang="zh-CN" sz="2400" dirty="0"/>
-              <a:t>Map&lt;String, Map&lt;String, String&gt;&gt; </a:t>
-            </a:r>
-            <a:r>
-              <a:rPr lang="en-US" altLang="zh-CN" sz="2400" dirty="0" err="1"/>
-              <a:t>personalInformation</a:t>
-            </a:r>
-            <a:r>
-              <a:rPr lang="en-US" altLang="zh-CN" sz="2400" dirty="0"/>
-              <a:t> =</a:t>
-            </a:r>
-          </a:p>
-          <a:p>
-            <a:r>
-              <a:rPr lang="en-US" altLang="zh-CN" sz="2400" dirty="0"/>
-              <a:t>    new </a:t>
-            </a:r>
-            <a:r>
-              <a:rPr lang="en-US" altLang="zh-CN" sz="2400" dirty="0" err="1"/>
-              <a:t>PersonalInformationParser</a:t>
-            </a:r>
-            <a:r>
-              <a:rPr lang="en-US" altLang="zh-CN" sz="2400" dirty="0"/>
-              <a:t>()</a:t>
-            </a:r>
-          </a:p>
-          <a:p>
-            <a:r>
-              <a:rPr lang="en-US" altLang="zh-CN" sz="2400" dirty="0"/>
-              <a:t>        .</a:t>
-            </a:r>
-            <a:r>
-              <a:rPr lang="en-US" altLang="zh-CN" sz="2400" dirty="0" err="1"/>
-              <a:t>setConnectionAgent</a:t>
-            </a:r>
-            <a:r>
-              <a:rPr lang="en-US" altLang="zh-CN" sz="2400" dirty="0"/>
-              <a:t>(</a:t>
-            </a:r>
-            <a:r>
-              <a:rPr lang="en-US" altLang="zh-CN" sz="2400" dirty="0" err="1"/>
-              <a:t>connectionAgent</a:t>
-            </a:r>
-            <a:r>
-              <a:rPr lang="en-US" altLang="zh-CN" sz="2400" dirty="0"/>
-              <a:t>)</a:t>
-            </a:r>
-          </a:p>
-          <a:p>
-            <a:r>
-              <a:rPr lang="en-US" altLang="zh-CN" sz="2400" dirty="0"/>
-              <a:t>        .parse();</a:t>
-            </a:r>
-          </a:p>
-          <a:p>
-            <a:r>
-              <a:rPr lang="en-US" altLang="zh-CN" sz="2400" dirty="0"/>
-              <a:t>List&lt;Course&gt; courses =</a:t>
-            </a:r>
-          </a:p>
-          <a:p>
-            <a:r>
-              <a:rPr lang="en-US" altLang="zh-CN" sz="2400" dirty="0"/>
-              <a:t>    new </a:t>
-            </a:r>
-            <a:r>
-              <a:rPr lang="en-US" altLang="zh-CN" sz="2400" dirty="0" err="1"/>
-              <a:t>SelectedCourseParser</a:t>
-            </a:r>
-            <a:r>
-              <a:rPr lang="en-US" altLang="zh-CN" sz="2400" dirty="0"/>
-              <a:t>()</a:t>
-            </a:r>
-          </a:p>
-          <a:p>
-            <a:r>
-              <a:rPr lang="en-US" altLang="zh-CN" sz="2400" dirty="0"/>
-              <a:t>        .</a:t>
-            </a:r>
-            <a:r>
-              <a:rPr lang="en-US" altLang="zh-CN" sz="2400" dirty="0" err="1"/>
-              <a:t>setConnectionAgent</a:t>
-            </a:r>
-            <a:r>
-              <a:rPr lang="en-US" altLang="zh-CN" sz="2400" dirty="0"/>
-              <a:t>(</a:t>
-            </a:r>
-            <a:r>
-              <a:rPr lang="en-US" altLang="zh-CN" sz="2400" dirty="0" err="1"/>
-              <a:t>connectionAgent</a:t>
-            </a:r>
-            <a:r>
-              <a:rPr lang="en-US" altLang="zh-CN" sz="2400" dirty="0"/>
-              <a:t>)</a:t>
-            </a:r>
-          </a:p>
-          <a:p>
-            <a:r>
-              <a:rPr lang="en-US" altLang="zh-CN" sz="2400" dirty="0"/>
-              <a:t>        .parse();</a:t>
-            </a:r>
-          </a:p>
-        </p:txBody>
-      </p:sp>
-    </p:spTree>
-    <p:extLst>
-      <p:ext uri="{BB962C8B-B14F-4D97-AF65-F5344CB8AC3E}">
-        <p14:creationId xmlns:p14="http://schemas.microsoft.com/office/powerpoint/2010/main" val="1077153817"/>
-      </p:ext>
-    </p:extLst>
-  </p:cSld>
-  <p:clrMapOvr>
-    <a:masterClrMapping/>
-  </p:clrMapOvr>
-  <mc:AlternateContent xmlns:mc="http://schemas.openxmlformats.org/markup-compatibility/2006" xmlns:p15="http://schemas.microsoft.com/office/powerpoint/2012/main">
-    <mc:Choice Requires="p15">
-      <p:transition xmlns:p14="http://schemas.microsoft.com/office/powerpoint/2010/main" p14:dur="250">
-        <p15:prstTrans prst="peelOff"/>
-      </p:transition>
-    </mc:Choice>
-    <mc:Fallback xmlns="">
-      <p:transition>
-        <p:fade/>
-      </p:transition>
-    </mc:Fallback>
-  </mc:AlternateContent>
-  <p:timing>
-    <p:tnLst>
-      <p:par>
-        <p:cTn id="1" dur="indefinite" restart="never" nodeType="tmRoot"/>
-      </p:par>
-    </p:tnLst>
-  </p:timing>
-</p:sld>
-</file>
-
 <file path=ppt/slides/slide2.xml><?xml version="1.0" encoding="utf-8"?>
 <p:sld xmlns:a="http://schemas.openxmlformats.org/drawingml/2006/main" xmlns:r="http://schemas.openxmlformats.org/officeDocument/2006/relationships" xmlns:p="http://schemas.openxmlformats.org/presentationml/2006/main">
   <p:cSld>
@@ -8606,50 +8459,119 @@
           <a:bodyPr/>
           <a:lstStyle/>
           <a:p>
-            <a:r>
-              <a:rPr lang="zh-CN" altLang="en-US" dirty="0"/>
-              <a:t>应用背景和意义</a:t>
-            </a:r>
-          </a:p>
-        </p:txBody>
-      </p:sp>
-      <p:sp>
-        <p:nvSpPr>
-          <p:cNvPr id="3" name="文本占位符 2"/>
-          <p:cNvSpPr>
-            <a:spLocks noGrp="1"/>
-          </p:cNvSpPr>
-          <p:nvPr>
-            <p:ph type="body" idx="1"/>
+            <a:endParaRPr lang="zh-CN" altLang="en-US" dirty="0"/>
+          </a:p>
+        </p:txBody>
+      </p:sp>
+      <p:sp>
+        <p:nvSpPr>
+          <p:cNvPr id="3" name="内容占位符 2"/>
+          <p:cNvSpPr>
+            <a:spLocks noGrp="1"/>
+          </p:cNvSpPr>
+          <p:nvPr>
+            <p:ph idx="1"/>
           </p:nvPr>
         </p:nvSpPr>
         <p:spPr/>
         <p:txBody>
-          <a:bodyPr/>
+          <a:bodyPr anchor="ctr">
+            <a:normAutofit/>
+          </a:bodyPr>
           <a:lstStyle/>
           <a:p>
-            <a:endParaRPr lang="zh-CN" altLang="en-US"/>
+            <a:r>
+              <a:rPr lang="zh-CN" altLang="en-US" sz="3600" dirty="0">
+                <a:latin typeface="+mj-ea"/>
+                <a:ea typeface="+mj-ea"/>
+              </a:rPr>
+              <a:t>应用背景和</a:t>
+            </a:r>
+            <a:r>
+              <a:rPr lang="zh-CN" altLang="en-US" sz="3600" dirty="0" smtClean="0">
+                <a:latin typeface="+mj-ea"/>
+                <a:ea typeface="+mj-ea"/>
+              </a:rPr>
+              <a:t>意义</a:t>
+            </a:r>
+            <a:endParaRPr lang="en-US" altLang="zh-CN" sz="3600" dirty="0" smtClean="0">
+              <a:latin typeface="+mj-ea"/>
+              <a:ea typeface="+mj-ea"/>
+            </a:endParaRPr>
+          </a:p>
+          <a:p>
+            <a:r>
+              <a:rPr lang="zh-CN" altLang="en-US" sz="3600" dirty="0" smtClean="0">
+                <a:latin typeface="+mj-ea"/>
+                <a:ea typeface="+mj-ea"/>
+              </a:rPr>
+              <a:t>功能</a:t>
+            </a:r>
+            <a:endParaRPr lang="en-US" altLang="zh-CN" sz="3600" dirty="0" smtClean="0">
+              <a:latin typeface="+mj-ea"/>
+              <a:ea typeface="+mj-ea"/>
+            </a:endParaRPr>
+          </a:p>
+          <a:p>
+            <a:r>
+              <a:rPr lang="zh-CN" altLang="en-US" sz="3600" dirty="0">
+                <a:latin typeface="+mj-ea"/>
+                <a:ea typeface="+mj-ea"/>
+              </a:rPr>
+              <a:t>特色与</a:t>
+            </a:r>
+            <a:r>
+              <a:rPr lang="zh-CN" altLang="en-US" sz="3600" dirty="0" smtClean="0">
+                <a:latin typeface="+mj-ea"/>
+                <a:ea typeface="+mj-ea"/>
+              </a:rPr>
+              <a:t>优势</a:t>
+            </a:r>
+            <a:endParaRPr lang="en-US" altLang="zh-CN" sz="3600" dirty="0" smtClean="0">
+              <a:latin typeface="+mj-ea"/>
+              <a:ea typeface="+mj-ea"/>
+            </a:endParaRPr>
+          </a:p>
+          <a:p>
+            <a:r>
+              <a:rPr lang="zh-CN" altLang="en-US" sz="3600" dirty="0">
+                <a:latin typeface="+mj-ea"/>
+                <a:ea typeface="+mj-ea"/>
+              </a:rPr>
+              <a:t>设计与</a:t>
+            </a:r>
+            <a:r>
+              <a:rPr lang="zh-CN" altLang="en-US" sz="3600" dirty="0" smtClean="0">
+                <a:latin typeface="+mj-ea"/>
+                <a:ea typeface="+mj-ea"/>
+              </a:rPr>
+              <a:t>实现</a:t>
+            </a:r>
+            <a:endParaRPr lang="en-US" altLang="zh-CN" sz="3600" dirty="0" smtClean="0">
+              <a:latin typeface="+mj-ea"/>
+              <a:ea typeface="+mj-ea"/>
+            </a:endParaRPr>
           </a:p>
         </p:txBody>
       </p:sp>
     </p:spTree>
     <p:extLst>
       <p:ext uri="{BB962C8B-B14F-4D97-AF65-F5344CB8AC3E}">
-        <p14:creationId xmlns:p14="http://schemas.microsoft.com/office/powerpoint/2010/main" val="684455356"/>
+        <p14:creationId xmlns:p14="http://schemas.microsoft.com/office/powerpoint/2010/main" val="2132622852"/>
       </p:ext>
     </p:extLst>
   </p:cSld>
   <p:clrMapOvr>
     <a:masterClrMapping/>
   </p:clrMapOvr>
-  <mc:AlternateContent xmlns:mc="http://schemas.openxmlformats.org/markup-compatibility/2006" xmlns:p14="http://schemas.microsoft.com/office/powerpoint/2010/main">
-    <mc:Choice Requires="p14">
-      <p:transition spd="med">
-        <p14:gallery dir="l"/>
+  <mc:AlternateContent xmlns:mc="http://schemas.openxmlformats.org/markup-compatibility/2006" xmlns:p15="http://schemas.microsoft.com/office/powerpoint/2012/main">
+    <mc:Choice Requires="p15">
+      <p:transition xmlns:p14="http://schemas.microsoft.com/office/powerpoint/2010/main" p14:dur="250">
+        <p15:prstTrans prst="peelOff"/>
       </p:transition>
     </mc:Choice>
     <mc:Fallback xmlns="">
-      <p:transition spd="med">
+      <p:transition>
         <p:fade/>
       </p:transition>
     </mc:Fallback>
@@ -8702,7 +8624,7 @@
             </a:r>
             <a:r>
               <a:rPr lang="zh-CN" altLang="en-US" dirty="0" smtClean="0"/>
-              <a:t>器的使用（续）</a:t>
+              <a:t>器的使用</a:t>
             </a:r>
             <a:endParaRPr lang="zh-CN" altLang="en-US" dirty="0"/>
           </a:p>
@@ -8716,8 +8638,8 @@
         </p:nvSpPr>
         <p:spPr>
           <a:xfrm>
-            <a:off x="72570" y="1066799"/>
-            <a:ext cx="8534401" cy="5909310"/>
+            <a:off x="72571" y="1329867"/>
+            <a:ext cx="8157028" cy="4647426"/>
           </a:xfrm>
           <a:prstGeom prst="rect">
             <a:avLst/>
@@ -8731,902 +8653,166 @@
           <a:lstStyle/>
           <a:p>
             <a:r>
-              <a:rPr lang="en-US" altLang="zh-CN" sz="1050" dirty="0"/>
-              <a:t>-------------------- </a:t>
-            </a:r>
-            <a:r>
-              <a:rPr lang="zh-CN" altLang="en-US" sz="1050" dirty="0"/>
-              <a:t>个人信息 </a:t>
-            </a:r>
-            <a:r>
-              <a:rPr lang="en-US" altLang="zh-CN" sz="1050" dirty="0"/>
-              <a:t>--------------------</a:t>
-            </a:r>
-          </a:p>
-          <a:p>
-            <a:r>
-              <a:rPr lang="en-US" altLang="zh-CN" sz="1050" dirty="0"/>
-              <a:t>{</a:t>
-            </a:r>
-            <a:r>
-              <a:rPr lang="zh-CN" altLang="en-US" sz="1050" dirty="0"/>
-              <a:t>联系方式</a:t>
-            </a:r>
-            <a:r>
-              <a:rPr lang="en-US" altLang="zh-CN" sz="1050" dirty="0"/>
-              <a:t>={</a:t>
-            </a:r>
-            <a:r>
-              <a:rPr lang="zh-CN" altLang="en-US" sz="1050" dirty="0"/>
-              <a:t>家长电话</a:t>
-            </a:r>
-            <a:r>
-              <a:rPr lang="en-US" altLang="zh-CN" sz="1050" dirty="0"/>
-              <a:t>=13081106100, </a:t>
-            </a:r>
-            <a:r>
-              <a:rPr lang="zh-CN" altLang="en-US" sz="1050" dirty="0"/>
-              <a:t>个人邮箱</a:t>
-            </a:r>
-            <a:r>
-              <a:rPr lang="en-US" altLang="zh-CN" sz="1050" dirty="0"/>
-              <a:t>=baijie1991@gmail.com, </a:t>
-            </a:r>
-            <a:r>
-              <a:rPr lang="zh-CN" altLang="en-US" sz="1050" dirty="0"/>
-              <a:t>个人手机</a:t>
-            </a:r>
-            <a:r>
-              <a:rPr lang="en-US" altLang="zh-CN" sz="1050" dirty="0"/>
-              <a:t>=15620906177, </a:t>
-            </a:r>
-            <a:r>
-              <a:rPr lang="zh-CN" altLang="en-US" sz="1050" dirty="0"/>
-              <a:t>校区</a:t>
-            </a:r>
-            <a:r>
-              <a:rPr lang="en-US" altLang="zh-CN" sz="1050" dirty="0"/>
-              <a:t>=2, </a:t>
-            </a:r>
-            <a:r>
-              <a:rPr lang="zh-CN" altLang="en-US" sz="1050" dirty="0"/>
-              <a:t>家长工作单位</a:t>
-            </a:r>
-            <a:r>
-              <a:rPr lang="en-US" altLang="zh-CN" sz="1050" dirty="0"/>
-              <a:t>=</a:t>
-            </a:r>
-            <a:r>
-              <a:rPr lang="zh-CN" altLang="en-US" sz="1050" dirty="0"/>
-              <a:t>部队</a:t>
-            </a:r>
-            <a:r>
-              <a:rPr lang="en-US" altLang="zh-CN" sz="1050" dirty="0"/>
-              <a:t>, </a:t>
-            </a:r>
-            <a:r>
-              <a:rPr lang="zh-CN" altLang="en-US" sz="1050" dirty="0"/>
-              <a:t>家庭邮编</a:t>
-            </a:r>
-            <a:r>
-              <a:rPr lang="en-US" altLang="zh-CN" sz="1050" dirty="0"/>
-              <a:t>=050207, </a:t>
-            </a:r>
-            <a:r>
-              <a:rPr lang="zh-CN" altLang="en-US" sz="1050" dirty="0"/>
-              <a:t>家庭电话</a:t>
-            </a:r>
-            <a:r>
-              <a:rPr lang="en-US" altLang="zh-CN" sz="1050" dirty="0"/>
-              <a:t>=0311-87973959, </a:t>
-            </a:r>
-            <a:r>
-              <a:rPr lang="zh-CN" altLang="en-US" sz="1050" dirty="0"/>
-              <a:t>家长关系</a:t>
-            </a:r>
-            <a:r>
-              <a:rPr lang="en-US" altLang="zh-CN" sz="1050" dirty="0"/>
-              <a:t>=01, </a:t>
-            </a:r>
-            <a:r>
-              <a:rPr lang="zh-CN" altLang="en-US" sz="1050" dirty="0"/>
-              <a:t>家长姓名</a:t>
-            </a:r>
-            <a:r>
-              <a:rPr lang="en-US" altLang="zh-CN" sz="1050" dirty="0"/>
-              <a:t>=</a:t>
-            </a:r>
-            <a:r>
-              <a:rPr lang="zh-CN" altLang="en-US" sz="1050" dirty="0"/>
-              <a:t>柏俊泽</a:t>
-            </a:r>
-            <a:r>
-              <a:rPr lang="en-US" altLang="zh-CN" sz="1050" dirty="0"/>
-              <a:t>}, </a:t>
-            </a:r>
-            <a:r>
-              <a:rPr lang="zh-CN" altLang="en-US" sz="1050" dirty="0"/>
-              <a:t>基本信息</a:t>
-            </a:r>
-            <a:r>
-              <a:rPr lang="en-US" altLang="zh-CN" sz="1050" dirty="0"/>
-              <a:t>={</a:t>
-            </a:r>
-            <a:r>
-              <a:rPr lang="zh-CN" altLang="en-US" sz="1050" dirty="0"/>
-              <a:t>姓名</a:t>
-            </a:r>
-            <a:r>
-              <a:rPr lang="en-US" altLang="zh-CN" sz="1050" dirty="0"/>
-              <a:t>=</a:t>
-            </a:r>
-            <a:r>
-              <a:rPr lang="zh-CN" altLang="en-US" sz="1050" dirty="0"/>
-              <a:t>柏杰</a:t>
-            </a:r>
-            <a:r>
-              <a:rPr lang="en-US" altLang="zh-CN" sz="1050" dirty="0"/>
-              <a:t>, </a:t>
-            </a:r>
-            <a:r>
-              <a:rPr lang="zh-CN" altLang="en-US" sz="1050" dirty="0"/>
-              <a:t>民族</a:t>
-            </a:r>
-            <a:r>
-              <a:rPr lang="en-US" altLang="zh-CN" sz="1050" dirty="0"/>
-              <a:t>=23, </a:t>
-            </a:r>
-            <a:r>
-              <a:rPr lang="zh-CN" altLang="en-US" sz="1050" dirty="0"/>
-              <a:t>证件号码</a:t>
-            </a:r>
-            <a:r>
-              <a:rPr lang="en-US" altLang="zh-CN" sz="1050" dirty="0"/>
-              <a:t>=130103199103082112, </a:t>
-            </a:r>
-            <a:r>
-              <a:rPr lang="zh-CN" altLang="en-US" sz="1050" dirty="0"/>
-              <a:t>出生日期</a:t>
-            </a:r>
-            <a:r>
-              <a:rPr lang="en-US" altLang="zh-CN" sz="1050" dirty="0"/>
-              <a:t>=1991-03-08, </a:t>
-            </a:r>
-            <a:r>
-              <a:rPr lang="zh-CN" altLang="en-US" sz="1050" dirty="0"/>
-              <a:t>政治面貌</a:t>
-            </a:r>
-            <a:r>
-              <a:rPr lang="en-US" altLang="zh-CN" sz="1050" dirty="0"/>
-              <a:t>=3, </a:t>
-            </a:r>
-            <a:r>
-              <a:rPr lang="zh-CN" altLang="en-US" sz="1050" dirty="0"/>
-              <a:t>学号</a:t>
-            </a:r>
-            <a:r>
-              <a:rPr lang="en-US" altLang="zh-CN" sz="1050" dirty="0"/>
-              <a:t>=20106173, </a:t>
-            </a:r>
-            <a:r>
-              <a:rPr lang="zh-CN" altLang="en-US" sz="1050" dirty="0"/>
-              <a:t>证件类型</a:t>
-            </a:r>
-            <a:r>
-              <a:rPr lang="en-US" altLang="zh-CN" sz="1050" dirty="0"/>
-              <a:t>=1, </a:t>
-            </a:r>
-            <a:r>
-              <a:rPr lang="zh-CN" altLang="en-US" sz="1050" dirty="0"/>
-              <a:t>姓名拼音</a:t>
-            </a:r>
-            <a:r>
-              <a:rPr lang="en-US" altLang="zh-CN" sz="1050" dirty="0"/>
-              <a:t>=Bo </a:t>
-            </a:r>
-            <a:r>
-              <a:rPr lang="en-US" altLang="zh-CN" sz="1050" dirty="0" err="1"/>
-              <a:t>Jie</a:t>
-            </a:r>
-            <a:r>
-              <a:rPr lang="en-US" altLang="zh-CN" sz="1050" dirty="0"/>
-              <a:t>, </a:t>
-            </a:r>
-            <a:r>
-              <a:rPr lang="zh-CN" altLang="en-US" sz="1050" dirty="0"/>
-              <a:t>籍贯</a:t>
-            </a:r>
-            <a:r>
-              <a:rPr lang="en-US" altLang="zh-CN" sz="1050" dirty="0"/>
-              <a:t>=130400, </a:t>
-            </a:r>
-            <a:r>
-              <a:rPr lang="zh-CN" altLang="en-US" sz="1050" dirty="0"/>
-              <a:t>国家地区</a:t>
-            </a:r>
-            <a:r>
-              <a:rPr lang="en-US" altLang="zh-CN" sz="1050" dirty="0"/>
-              <a:t>=01, </a:t>
-            </a:r>
-            <a:r>
-              <a:rPr lang="zh-CN" altLang="en-US" sz="1050" dirty="0"/>
-              <a:t>性别</a:t>
-            </a:r>
-            <a:r>
-              <a:rPr lang="en-US" altLang="zh-CN" sz="1050" dirty="0"/>
-              <a:t>=1}, </a:t>
-            </a:r>
-            <a:r>
-              <a:rPr lang="zh-CN" altLang="en-US" sz="1050" dirty="0"/>
-              <a:t>学籍信息</a:t>
-            </a:r>
-            <a:r>
-              <a:rPr lang="en-US" altLang="zh-CN" sz="1050" dirty="0"/>
-              <a:t>={</a:t>
-            </a:r>
-            <a:r>
-              <a:rPr lang="zh-CN" altLang="en-US" sz="1050" dirty="0"/>
-              <a:t>班级</a:t>
-            </a:r>
-            <a:r>
-              <a:rPr lang="en-US" altLang="zh-CN" sz="1050" dirty="0"/>
-              <a:t>=0607201006, </a:t>
-            </a:r>
-            <a:r>
-              <a:rPr lang="zh-CN" altLang="en-US" sz="1050" dirty="0"/>
-              <a:t>是否在籍</a:t>
-            </a:r>
-            <a:r>
-              <a:rPr lang="en-US" altLang="zh-CN" sz="1050" dirty="0"/>
-              <a:t>=1, </a:t>
-            </a:r>
-            <a:r>
-              <a:rPr lang="zh-CN" altLang="en-US" sz="1050" dirty="0"/>
-              <a:t>年级</a:t>
-            </a:r>
-            <a:r>
-              <a:rPr lang="en-US" altLang="zh-CN" sz="1050" dirty="0"/>
-              <a:t>=2010, </a:t>
-            </a:r>
-            <a:r>
-              <a:rPr lang="zh-CN" altLang="en-US" sz="1050" dirty="0"/>
-              <a:t>学生类别</a:t>
-            </a:r>
-            <a:r>
-              <a:rPr lang="en-US" altLang="zh-CN" sz="1050" dirty="0"/>
-              <a:t>=1, </a:t>
-            </a:r>
-            <a:r>
-              <a:rPr lang="zh-CN" altLang="en-US" sz="1050" dirty="0"/>
-              <a:t>是否在校</a:t>
-            </a:r>
-            <a:r>
-              <a:rPr lang="en-US" altLang="zh-CN" sz="1050" dirty="0"/>
-              <a:t>=1, </a:t>
-            </a:r>
-            <a:r>
-              <a:rPr lang="zh-CN" altLang="en-US" sz="1050" dirty="0"/>
-              <a:t>院系</a:t>
-            </a:r>
-            <a:r>
-              <a:rPr lang="en-US" altLang="zh-CN" sz="1050" dirty="0"/>
-              <a:t>=06, </a:t>
-            </a:r>
-            <a:r>
-              <a:rPr lang="zh-CN" altLang="en-US" sz="1050" dirty="0"/>
-              <a:t>学制</a:t>
-            </a:r>
-            <a:r>
-              <a:rPr lang="en-US" altLang="zh-CN" sz="1050" dirty="0"/>
-              <a:t>=4, </a:t>
-            </a:r>
-            <a:r>
-              <a:rPr lang="zh-CN" altLang="en-US" sz="1050" dirty="0"/>
-              <a:t>专业</a:t>
-            </a:r>
-            <a:r>
-              <a:rPr lang="en-US" altLang="zh-CN" sz="1050" dirty="0"/>
-              <a:t>=0607, </a:t>
-            </a:r>
-            <a:r>
-              <a:rPr lang="zh-CN" altLang="en-US" sz="1050" dirty="0"/>
-              <a:t>学籍状态</a:t>
-            </a:r>
-            <a:r>
-              <a:rPr lang="en-US" altLang="zh-CN" sz="1050" dirty="0"/>
-              <a:t>=1}, </a:t>
-            </a:r>
-            <a:r>
-              <a:rPr lang="zh-CN" altLang="en-US" sz="1050" dirty="0"/>
-              <a:t>入学信息</a:t>
-            </a:r>
-            <a:r>
-              <a:rPr lang="en-US" altLang="zh-CN" sz="1050" dirty="0"/>
-              <a:t>={</a:t>
-            </a:r>
-            <a:r>
-              <a:rPr lang="zh-CN" altLang="en-US" sz="1050" dirty="0"/>
-              <a:t>招生季度</a:t>
-            </a:r>
-            <a:r>
-              <a:rPr lang="en-US" altLang="zh-CN" sz="1050" dirty="0"/>
-              <a:t>=01, </a:t>
-            </a:r>
-            <a:r>
-              <a:rPr lang="zh-CN" altLang="en-US" sz="1050" dirty="0"/>
-              <a:t>考生号</a:t>
-            </a:r>
-            <a:r>
-              <a:rPr lang="en-US" altLang="zh-CN" sz="1050" dirty="0"/>
-              <a:t>=10130103150617, </a:t>
-            </a:r>
-            <a:r>
-              <a:rPr lang="zh-CN" altLang="en-US" sz="1050" dirty="0"/>
-              <a:t>入学年级</a:t>
-            </a:r>
-            <a:r>
-              <a:rPr lang="en-US" altLang="zh-CN" sz="1050" dirty="0"/>
-              <a:t>=2010, </a:t>
-            </a:r>
-            <a:r>
-              <a:rPr lang="zh-CN" altLang="en-US" sz="1050" dirty="0"/>
-              <a:t>入学日期</a:t>
-            </a:r>
-            <a:r>
-              <a:rPr lang="en-US" altLang="zh-CN" sz="1050" dirty="0"/>
-              <a:t>=2010-09-12, </a:t>
-            </a:r>
-            <a:r>
-              <a:rPr lang="zh-CN" altLang="en-US" sz="1050" dirty="0"/>
-              <a:t>学习形式</a:t>
-            </a:r>
-            <a:r>
-              <a:rPr lang="en-US" altLang="zh-CN" sz="1050" dirty="0"/>
-              <a:t>=01, </a:t>
-            </a:r>
-            <a:r>
-              <a:rPr lang="zh-CN" altLang="en-US" sz="1050" dirty="0"/>
-              <a:t>生源地</a:t>
-            </a:r>
-            <a:r>
-              <a:rPr lang="en-US" altLang="zh-CN" sz="1050" dirty="0"/>
-              <a:t>=130100, </a:t>
-            </a:r>
-            <a:r>
-              <a:rPr lang="zh-CN" altLang="en-US" sz="1050" dirty="0"/>
-              <a:t>培养层次</a:t>
-            </a:r>
-            <a:r>
-              <a:rPr lang="en-US" altLang="zh-CN" sz="1050" dirty="0"/>
-              <a:t>=01, </a:t>
-            </a:r>
-            <a:r>
-              <a:rPr lang="zh-CN" altLang="en-US" sz="1050" dirty="0"/>
-              <a:t>外语种类</a:t>
-            </a:r>
-            <a:r>
-              <a:rPr lang="en-US" altLang="zh-CN" sz="1050" dirty="0"/>
-              <a:t>=01}}</a:t>
-            </a:r>
-          </a:p>
-          <a:p>
-            <a:r>
-              <a:rPr lang="en-US" altLang="zh-CN" sz="1050" dirty="0"/>
-              <a:t>-------------------- </a:t>
-            </a:r>
-            <a:r>
-              <a:rPr lang="zh-CN" altLang="en-US" sz="1050" dirty="0"/>
-              <a:t>已选课程 </a:t>
-            </a:r>
-            <a:r>
-              <a:rPr lang="en-US" altLang="zh-CN" sz="1050" dirty="0"/>
-              <a:t>--------------------</a:t>
-            </a:r>
-          </a:p>
-          <a:p>
-            <a:r>
-              <a:rPr lang="en-US" altLang="zh-CN" sz="1050" dirty="0"/>
-              <a:t>[0686046	</a:t>
-            </a:r>
-            <a:r>
-              <a:rPr lang="zh-CN" altLang="en-US" sz="1050" dirty="0"/>
-              <a:t>毕业设计（论文）	</a:t>
-            </a:r>
-            <a:r>
-              <a:rPr lang="en-US" altLang="zh-CN" sz="1050" dirty="0"/>
-              <a:t>null	</a:t>
-            </a:r>
-            <a:r>
-              <a:rPr lang="zh-CN" altLang="en-US" sz="1050" dirty="0"/>
-              <a:t>宁红云	</a:t>
-            </a:r>
-            <a:r>
-              <a:rPr lang="en-US" altLang="zh-CN" sz="1050" dirty="0"/>
-              <a:t>15	null	null	2013	2	null	null</a:t>
-            </a:r>
-          </a:p>
-          <a:p>
-            <a:r>
-              <a:rPr lang="en-US" altLang="zh-CN" sz="1050" dirty="0"/>
-              <a:t>null, 0666136	</a:t>
-            </a:r>
-            <a:r>
-              <a:rPr lang="zh-CN" altLang="en-US" sz="1050" dirty="0"/>
-              <a:t>计算机结构	</a:t>
-            </a:r>
-            <a:r>
-              <a:rPr lang="en-US" altLang="zh-CN" sz="1050" dirty="0"/>
-              <a:t>null	null	3	null	null	2012	1	null	null</a:t>
-            </a:r>
-          </a:p>
-          <a:p>
-            <a:r>
-              <a:rPr lang="en-US" altLang="zh-CN" sz="1050" dirty="0"/>
-              <a:t>null, 0666166	</a:t>
-            </a:r>
-            <a:r>
-              <a:rPr lang="zh-CN" altLang="en-US" sz="1050" dirty="0"/>
-              <a:t>面向对象的程序设计	</a:t>
-            </a:r>
-            <a:r>
-              <a:rPr lang="en-US" altLang="zh-CN" sz="1050" dirty="0"/>
-              <a:t>null	null	3	null	null	2012	1	null	null</a:t>
-            </a:r>
-          </a:p>
-          <a:p>
-            <a:r>
-              <a:rPr lang="en-US" altLang="zh-CN" sz="1050" dirty="0"/>
-              <a:t>null, 0666196	</a:t>
-            </a:r>
-            <a:r>
-              <a:rPr lang="zh-CN" altLang="en-US" sz="1050" dirty="0"/>
-              <a:t>运筹学	</a:t>
-            </a:r>
-            <a:r>
-              <a:rPr lang="en-US" altLang="zh-CN" sz="1050" dirty="0"/>
-              <a:t>null	null	3	null	null	2012	1	null	null</a:t>
-            </a:r>
-          </a:p>
-          <a:p>
-            <a:r>
-              <a:rPr lang="en-US" altLang="zh-CN" sz="1050" dirty="0"/>
-              <a:t>null, 0666206	</a:t>
-            </a:r>
-            <a:r>
-              <a:rPr lang="zh-CN" altLang="en-US" sz="1050" dirty="0"/>
-              <a:t>网络体系结构与程序设计	</a:t>
-            </a:r>
-            <a:r>
-              <a:rPr lang="en-US" altLang="zh-CN" sz="1050" dirty="0"/>
-              <a:t>null	null	3	null	null	2012	1	null	null</a:t>
-            </a:r>
-          </a:p>
-          <a:p>
-            <a:r>
-              <a:rPr lang="en-US" altLang="zh-CN" sz="1050" dirty="0"/>
-              <a:t>null, 0666226	</a:t>
-            </a:r>
-            <a:r>
-              <a:rPr lang="zh-CN" altLang="en-US" sz="1050" dirty="0"/>
-              <a:t>数据库与功能分析	</a:t>
-            </a:r>
-            <a:r>
-              <a:rPr lang="en-US" altLang="zh-CN" sz="1050" dirty="0"/>
-              <a:t>null	null	3	null	null	2012	1	null	null</a:t>
-            </a:r>
-          </a:p>
-          <a:p>
-            <a:r>
-              <a:rPr lang="en-US" altLang="zh-CN" sz="1050" dirty="0"/>
-              <a:t>null, 0666336	</a:t>
-            </a:r>
-            <a:r>
-              <a:rPr lang="zh-CN" altLang="en-US" sz="1050" dirty="0"/>
-              <a:t>多媒体：概念与方法	</a:t>
-            </a:r>
-            <a:r>
-              <a:rPr lang="en-US" altLang="zh-CN" sz="1050" dirty="0"/>
-              <a:t>null	null	3	null	null	2012	1	null	null</a:t>
-            </a:r>
-          </a:p>
-          <a:p>
-            <a:r>
-              <a:rPr lang="en-US" altLang="zh-CN" sz="1050" dirty="0"/>
-              <a:t>null, 0668036	</a:t>
-            </a:r>
-            <a:r>
-              <a:rPr lang="zh-CN" altLang="en-US" sz="1050" dirty="0"/>
-              <a:t>操作系统	</a:t>
-            </a:r>
-            <a:r>
-              <a:rPr lang="en-US" altLang="zh-CN" sz="1050" dirty="0"/>
-              <a:t>null	null	4	null	null	2012	1	null	null</a:t>
-            </a:r>
-          </a:p>
-          <a:p>
-            <a:r>
-              <a:rPr lang="en-US" altLang="zh-CN" sz="1050" dirty="0"/>
-              <a:t>null, 1190076	</a:t>
-            </a:r>
-            <a:r>
-              <a:rPr lang="zh-CN" altLang="en-US" sz="1050" dirty="0"/>
-              <a:t>毛泽东思想和中国特色社会主义理论体系概论	</a:t>
-            </a:r>
-            <a:r>
-              <a:rPr lang="en-US" altLang="zh-CN" sz="1050" dirty="0"/>
-              <a:t>null	null	6	null	null	2012	1	null	null</a:t>
-            </a:r>
-          </a:p>
-          <a:p>
-            <a:r>
-              <a:rPr lang="en-US" altLang="zh-CN" sz="1050" dirty="0"/>
-              <a:t>null, 0662016	</a:t>
-            </a:r>
-            <a:r>
-              <a:rPr lang="zh-CN" altLang="en-US" sz="1050" dirty="0"/>
-              <a:t>计算机网络	</a:t>
-            </a:r>
-            <a:r>
-              <a:rPr lang="en-US" altLang="zh-CN" sz="1050" dirty="0"/>
-              <a:t>null	null	3	null	null	2012	2	null	null</a:t>
-            </a:r>
-          </a:p>
-          <a:p>
-            <a:r>
-              <a:rPr lang="en-US" altLang="zh-CN" sz="1050" dirty="0"/>
-              <a:t>null, 0666026	</a:t>
-            </a:r>
-            <a:r>
-              <a:rPr lang="zh-CN" altLang="en-US" sz="1050" dirty="0"/>
-              <a:t>会计学基础概念	</a:t>
-            </a:r>
-            <a:r>
-              <a:rPr lang="en-US" altLang="zh-CN" sz="1050" dirty="0"/>
-              <a:t>null	null	3	null	null	2012	2	null	null</a:t>
-            </a:r>
-          </a:p>
-          <a:p>
-            <a:r>
-              <a:rPr lang="en-US" altLang="zh-CN" sz="1050" dirty="0"/>
-              <a:t>null, 0666076	</a:t>
-            </a:r>
-            <a:r>
-              <a:rPr lang="zh-CN" altLang="en-US" sz="1050" dirty="0"/>
-              <a:t>软件工程：软件构件与软件重用	</a:t>
-            </a:r>
-            <a:r>
-              <a:rPr lang="en-US" altLang="zh-CN" sz="1050" dirty="0"/>
-              <a:t>null	null	3	null	null	2012	2	null	null</a:t>
-            </a:r>
-          </a:p>
-          <a:p>
-            <a:r>
-              <a:rPr lang="en-US" altLang="zh-CN" sz="1050" dirty="0"/>
-              <a:t>null, 0666096	</a:t>
-            </a:r>
-            <a:r>
-              <a:rPr lang="zh-CN" altLang="en-US" sz="1050" dirty="0"/>
-              <a:t>信息和电子商务技术	</a:t>
-            </a:r>
-            <a:r>
-              <a:rPr lang="en-US" altLang="zh-CN" sz="1050" dirty="0"/>
-              <a:t>null	null	3	null	null	2012	2	null	null</a:t>
-            </a:r>
-          </a:p>
-          <a:p>
-            <a:r>
-              <a:rPr lang="en-US" altLang="zh-CN" sz="1050" dirty="0"/>
-              <a:t>null, 0666146	</a:t>
-            </a:r>
-            <a:r>
-              <a:rPr lang="zh-CN" altLang="en-US" sz="1050" dirty="0"/>
-              <a:t>对象设计与建模	</a:t>
-            </a:r>
-            <a:r>
-              <a:rPr lang="en-US" altLang="zh-CN" sz="1050" dirty="0"/>
-              <a:t>null	null	3	null	null	2012	2	null	null</a:t>
-            </a:r>
-          </a:p>
-          <a:p>
-            <a:r>
-              <a:rPr lang="en-US" altLang="zh-CN" sz="1050" dirty="0"/>
-              <a:t>null, 0666236	</a:t>
-            </a:r>
-            <a:r>
-              <a:rPr lang="zh-CN" altLang="en-US" sz="1050" dirty="0"/>
-              <a:t>高级数据库	</a:t>
-            </a:r>
-            <a:r>
-              <a:rPr lang="en-US" altLang="zh-CN" sz="1050" dirty="0"/>
-              <a:t>null	null	3	null	null	2012	2	null	null</a:t>
-            </a:r>
-          </a:p>
-          <a:p>
-            <a:r>
-              <a:rPr lang="en-US" altLang="zh-CN" sz="1050" dirty="0"/>
-              <a:t>null, 0686016	</a:t>
-            </a:r>
-            <a:r>
-              <a:rPr lang="zh-CN" altLang="en-US" sz="1050" dirty="0"/>
-              <a:t>企划与项目开发	</a:t>
-            </a:r>
-            <a:r>
-              <a:rPr lang="en-US" altLang="zh-CN" sz="1050" dirty="0"/>
-              <a:t>null	null	3	null	null	2012	2	null	null</a:t>
-            </a:r>
-          </a:p>
-          <a:p>
-            <a:r>
-              <a:rPr lang="en-US" altLang="zh-CN" sz="1050" dirty="0"/>
-              <a:t>null, 0666036	</a:t>
-            </a:r>
-            <a:r>
-              <a:rPr lang="zh-CN" altLang="en-US" sz="1050" dirty="0"/>
-              <a:t>财务管理	</a:t>
-            </a:r>
-            <a:r>
-              <a:rPr lang="en-US" altLang="zh-CN" sz="1050" dirty="0"/>
-              <a:t>null	</a:t>
-            </a:r>
-            <a:r>
-              <a:rPr lang="zh-CN" altLang="en-US" sz="1050" dirty="0"/>
-              <a:t>郭力杰	</a:t>
-            </a:r>
-            <a:r>
-              <a:rPr lang="en-US" altLang="zh-CN" sz="1050" dirty="0"/>
-              <a:t>3	null	null	2013	1	null	null</a:t>
-            </a:r>
-          </a:p>
-          <a:p>
-            <a:r>
-              <a:rPr lang="en-US" altLang="zh-CN" sz="1050" dirty="0"/>
-              <a:t>1-5,8-14 </a:t>
-            </a:r>
-            <a:r>
-              <a:rPr lang="zh-CN" altLang="en-US" sz="1050" dirty="0"/>
-              <a:t>周 星期三 </a:t>
-            </a:r>
-            <a:r>
-              <a:rPr lang="en-US" altLang="zh-CN" sz="1050" dirty="0"/>
-              <a:t>3-4 </a:t>
-            </a:r>
-            <a:r>
-              <a:rPr lang="zh-CN" altLang="en-US" sz="1050" dirty="0"/>
-              <a:t>节 北楼</a:t>
-            </a:r>
-            <a:r>
-              <a:rPr lang="en-US" altLang="zh-CN" sz="1050" dirty="0"/>
-              <a:t>3 3-0201</a:t>
-            </a:r>
-          </a:p>
-          <a:p>
-            <a:r>
-              <a:rPr lang="en-US" altLang="zh-CN" sz="1050" dirty="0"/>
-              <a:t>1-5,8-14 </a:t>
-            </a:r>
-            <a:r>
-              <a:rPr lang="zh-CN" altLang="en-US" sz="1050" dirty="0"/>
-              <a:t>周 星期一 </a:t>
-            </a:r>
-            <a:r>
-              <a:rPr lang="en-US" altLang="zh-CN" sz="1050" dirty="0"/>
-              <a:t>7-8 </a:t>
-            </a:r>
-            <a:r>
-              <a:rPr lang="zh-CN" altLang="en-US" sz="1050" dirty="0"/>
-              <a:t>节 北楼</a:t>
-            </a:r>
-            <a:r>
-              <a:rPr lang="en-US" altLang="zh-CN" sz="1050" dirty="0"/>
-              <a:t>3 3-0201, 0666106	</a:t>
-            </a:r>
-            <a:r>
-              <a:rPr lang="zh-CN" altLang="en-US" sz="1050" dirty="0"/>
-              <a:t>计算机项目管理	</a:t>
-            </a:r>
-            <a:r>
-              <a:rPr lang="en-US" altLang="zh-CN" sz="1050" dirty="0"/>
-              <a:t>null	</a:t>
-            </a:r>
-            <a:r>
-              <a:rPr lang="zh-CN" altLang="en-US" sz="1050" dirty="0"/>
-              <a:t>夏承遗	</a:t>
-            </a:r>
-            <a:r>
-              <a:rPr lang="en-US" altLang="zh-CN" sz="1050" dirty="0"/>
-              <a:t>3	null	null	2013	1	null	null</a:t>
-            </a:r>
-          </a:p>
-          <a:p>
-            <a:r>
-              <a:rPr lang="en-US" altLang="zh-CN" sz="1050" dirty="0"/>
-              <a:t>1-5,8-14 </a:t>
-            </a:r>
-            <a:r>
-              <a:rPr lang="zh-CN" altLang="en-US" sz="1050" dirty="0"/>
-              <a:t>周 星期五 </a:t>
-            </a:r>
-            <a:r>
-              <a:rPr lang="en-US" altLang="zh-CN" sz="1050" dirty="0"/>
-              <a:t>3-4 </a:t>
-            </a:r>
-            <a:r>
-              <a:rPr lang="zh-CN" altLang="en-US" sz="1050" dirty="0"/>
-              <a:t>节 北楼</a:t>
-            </a:r>
-            <a:r>
-              <a:rPr lang="en-US" altLang="zh-CN" sz="1050" dirty="0"/>
-              <a:t>1 1-0202</a:t>
-            </a:r>
-          </a:p>
-          <a:p>
-            <a:r>
-              <a:rPr lang="en-US" altLang="zh-CN" sz="1050" dirty="0"/>
-              <a:t>1,3,5,9,11 </a:t>
-            </a:r>
-            <a:r>
-              <a:rPr lang="zh-CN" altLang="en-US" sz="1050" dirty="0"/>
-              <a:t>周 星期二 </a:t>
-            </a:r>
-            <a:r>
-              <a:rPr lang="en-US" altLang="zh-CN" sz="1050" dirty="0"/>
-              <a:t>7-8 </a:t>
-            </a:r>
-            <a:r>
-              <a:rPr lang="zh-CN" altLang="en-US" sz="1050" dirty="0"/>
-              <a:t>节 北楼</a:t>
-            </a:r>
-            <a:r>
-              <a:rPr lang="en-US" altLang="zh-CN" sz="1050" dirty="0"/>
-              <a:t>1 1-0202, 0666176	</a:t>
-            </a:r>
-            <a:r>
-              <a:rPr lang="zh-CN" altLang="en-US" sz="1050" dirty="0"/>
-              <a:t>工业计算机系统	</a:t>
-            </a:r>
-            <a:r>
-              <a:rPr lang="en-US" altLang="zh-CN" sz="1050" dirty="0"/>
-              <a:t>null	</a:t>
-            </a:r>
-            <a:r>
-              <a:rPr lang="zh-CN" altLang="en-US" sz="1050" dirty="0"/>
-              <a:t>杨鹏	</a:t>
-            </a:r>
-            <a:r>
-              <a:rPr lang="en-US" altLang="zh-CN" sz="1050" dirty="0"/>
-              <a:t>3	null	null	2013	1	null	null</a:t>
-            </a:r>
-          </a:p>
-          <a:p>
-            <a:r>
-              <a:rPr lang="en-US" altLang="zh-CN" sz="1050" dirty="0"/>
-              <a:t>null, 0666266	</a:t>
-            </a:r>
-            <a:r>
-              <a:rPr lang="zh-CN" altLang="en-US" sz="1050" dirty="0"/>
-              <a:t>分布式计算机系统	</a:t>
-            </a:r>
-            <a:r>
-              <a:rPr lang="en-US" altLang="zh-CN" sz="1050" dirty="0"/>
-              <a:t>null	</a:t>
-            </a:r>
-            <a:r>
-              <a:rPr lang="zh-CN" altLang="en-US" sz="1050" dirty="0"/>
-              <a:t>蔡靖	</a:t>
-            </a:r>
-            <a:r>
-              <a:rPr lang="en-US" altLang="zh-CN" sz="1050" dirty="0"/>
-              <a:t>3	null	null	2013	1	null	null</a:t>
-            </a:r>
-          </a:p>
-          <a:p>
-            <a:r>
-              <a:rPr lang="en-US" altLang="zh-CN" sz="1050" dirty="0"/>
-              <a:t>null, 0666276	</a:t>
-            </a:r>
-            <a:r>
-              <a:rPr lang="zh-CN" altLang="en-US" sz="1050" dirty="0"/>
-              <a:t>微机硬件组成原理	</a:t>
-            </a:r>
-            <a:r>
-              <a:rPr lang="en-US" altLang="zh-CN" sz="1050" dirty="0"/>
-              <a:t>null	</a:t>
-            </a:r>
-            <a:r>
-              <a:rPr lang="zh-CN" altLang="en-US" sz="1050" dirty="0"/>
-              <a:t>韩盛磊	</a:t>
-            </a:r>
-            <a:r>
-              <a:rPr lang="en-US" altLang="zh-CN" sz="1050" dirty="0"/>
-              <a:t>3	null	null	2013	1	null	null</a:t>
-            </a:r>
-          </a:p>
-          <a:p>
-            <a:r>
-              <a:rPr lang="en-US" altLang="zh-CN" sz="1050" dirty="0"/>
-              <a:t>1-5,8-14 </a:t>
-            </a:r>
-            <a:r>
-              <a:rPr lang="zh-CN" altLang="en-US" sz="1050" dirty="0"/>
-              <a:t>周 星期五 </a:t>
-            </a:r>
-            <a:r>
-              <a:rPr lang="en-US" altLang="zh-CN" sz="1050" dirty="0"/>
-              <a:t>1-2 </a:t>
-            </a:r>
-            <a:r>
-              <a:rPr lang="zh-CN" altLang="en-US" sz="1050" dirty="0"/>
-              <a:t>节 北楼</a:t>
-            </a:r>
-            <a:r>
-              <a:rPr lang="en-US" altLang="zh-CN" sz="1050" dirty="0"/>
-              <a:t>1 1-0202</a:t>
-            </a:r>
-          </a:p>
-          <a:p>
-            <a:r>
-              <a:rPr lang="en-US" altLang="zh-CN" sz="1050" dirty="0"/>
-              <a:t>1-5,8-15 </a:t>
-            </a:r>
-            <a:r>
-              <a:rPr lang="zh-CN" altLang="en-US" sz="1050" dirty="0"/>
-              <a:t>周 星期二 </a:t>
-            </a:r>
-            <a:r>
-              <a:rPr lang="en-US" altLang="zh-CN" sz="1050" dirty="0"/>
-              <a:t>1-2 </a:t>
-            </a:r>
-            <a:r>
-              <a:rPr lang="zh-CN" altLang="en-US" sz="1050" dirty="0"/>
-              <a:t>节 北楼</a:t>
-            </a:r>
-            <a:r>
-              <a:rPr lang="en-US" altLang="zh-CN" sz="1050" dirty="0"/>
-              <a:t>1 1-0202, 0686026	</a:t>
-            </a:r>
-            <a:r>
-              <a:rPr lang="zh-CN" altLang="en-US" sz="1050" dirty="0"/>
-              <a:t>市场调研	</a:t>
-            </a:r>
-            <a:r>
-              <a:rPr lang="en-US" altLang="zh-CN" sz="1050" dirty="0"/>
-              <a:t>null	</a:t>
-            </a:r>
-            <a:r>
-              <a:rPr lang="zh-CN" altLang="en-US" sz="1050" dirty="0"/>
-              <a:t>李双喜	</a:t>
-            </a:r>
-            <a:r>
-              <a:rPr lang="en-US" altLang="zh-CN" sz="1050" dirty="0"/>
-              <a:t>2	null	null	2013	1	null	null</a:t>
-            </a:r>
-          </a:p>
-          <a:p>
-            <a:r>
-              <a:rPr lang="en-US" altLang="zh-CN" sz="1050" dirty="0"/>
-              <a:t>null, 0686416	</a:t>
-            </a:r>
-            <a:r>
-              <a:rPr lang="zh-CN" altLang="en-US" sz="1050" dirty="0"/>
-              <a:t>数据库课程设计	</a:t>
-            </a:r>
-            <a:r>
-              <a:rPr lang="en-US" altLang="zh-CN" sz="1050" dirty="0"/>
-              <a:t>null	</a:t>
-            </a:r>
-            <a:r>
-              <a:rPr lang="zh-CN" altLang="en-US" sz="1050" dirty="0"/>
-              <a:t>董晨	</a:t>
-            </a:r>
-            <a:r>
-              <a:rPr lang="en-US" altLang="zh-CN" sz="1050" dirty="0"/>
-              <a:t>2	null	null	2013	1	null	null</a:t>
-            </a:r>
-          </a:p>
-          <a:p>
-            <a:r>
-              <a:rPr lang="en-US" altLang="zh-CN" sz="1050" dirty="0"/>
-              <a:t>null]</a:t>
+              <a:rPr lang="zh-CN" altLang="en-US" sz="1600" dirty="0" smtClean="0"/>
+              <a:t>注：以下代码和运行结果来自集成测试类</a:t>
+            </a:r>
+            <a:r>
+              <a:rPr lang="en-US" altLang="zh-CN" sz="1600" dirty="0" err="1" smtClean="0"/>
+              <a:t>ParserTest</a:t>
+            </a:r>
+            <a:endParaRPr lang="en-US" altLang="zh-CN" sz="1600" dirty="0" smtClean="0"/>
+          </a:p>
+          <a:p>
+            <a:endParaRPr lang="en-US" altLang="zh-CN" sz="1600" dirty="0" smtClean="0"/>
+          </a:p>
+          <a:p>
+            <a:r>
+              <a:rPr lang="en-US" altLang="zh-CN" sz="2400" dirty="0" err="1" smtClean="0"/>
+              <a:t>ConnectionAgent</a:t>
+            </a:r>
+            <a:r>
+              <a:rPr lang="en-US" altLang="zh-CN" sz="2400" dirty="0" smtClean="0"/>
+              <a:t> </a:t>
+            </a:r>
+            <a:r>
+              <a:rPr lang="en-US" altLang="zh-CN" sz="2400" dirty="0" err="1"/>
+              <a:t>connectionAgent</a:t>
+            </a:r>
+            <a:r>
+              <a:rPr lang="en-US" altLang="zh-CN" sz="2400" dirty="0"/>
+              <a:t> =</a:t>
+            </a:r>
+          </a:p>
+          <a:p>
+            <a:r>
+              <a:rPr lang="en-US" altLang="zh-CN" sz="2400" dirty="0"/>
+              <a:t>    new </a:t>
+            </a:r>
+            <a:r>
+              <a:rPr lang="en-US" altLang="zh-CN" sz="2400" dirty="0" err="1"/>
+              <a:t>SSFWWebsiteConnectionAgent</a:t>
+            </a:r>
+            <a:r>
+              <a:rPr lang="en-US" altLang="zh-CN" sz="2400" dirty="0"/>
+              <a:t>().</a:t>
+            </a:r>
+          </a:p>
+          <a:p>
+            <a:r>
+              <a:rPr lang="en-US" altLang="zh-CN" sz="2400" dirty="0"/>
+              <a:t>        </a:t>
+            </a:r>
+            <a:r>
+              <a:rPr lang="en-US" altLang="zh-CN" sz="2400" dirty="0" err="1"/>
+              <a:t>setAccount</a:t>
+            </a:r>
+            <a:r>
+              <a:rPr lang="en-US" altLang="zh-CN" sz="2400" dirty="0"/>
+              <a:t>("20106173", "20106173");</a:t>
+            </a:r>
+          </a:p>
+          <a:p>
+            <a:r>
+              <a:rPr lang="en-US" altLang="zh-CN" sz="2400" dirty="0"/>
+              <a:t>Map&lt;String, Map&lt;String, String&gt;&gt; </a:t>
+            </a:r>
+            <a:r>
+              <a:rPr lang="en-US" altLang="zh-CN" sz="2400" dirty="0" err="1"/>
+              <a:t>personalInformation</a:t>
+            </a:r>
+            <a:r>
+              <a:rPr lang="en-US" altLang="zh-CN" sz="2400" dirty="0"/>
+              <a:t> =</a:t>
+            </a:r>
+          </a:p>
+          <a:p>
+            <a:r>
+              <a:rPr lang="en-US" altLang="zh-CN" sz="2400" dirty="0"/>
+              <a:t>    new </a:t>
+            </a:r>
+            <a:r>
+              <a:rPr lang="en-US" altLang="zh-CN" sz="2400" dirty="0" err="1"/>
+              <a:t>PersonalInformationParser</a:t>
+            </a:r>
+            <a:r>
+              <a:rPr lang="en-US" altLang="zh-CN" sz="2400" dirty="0"/>
+              <a:t>()</a:t>
+            </a:r>
+          </a:p>
+          <a:p>
+            <a:r>
+              <a:rPr lang="en-US" altLang="zh-CN" sz="2400" dirty="0"/>
+              <a:t>        .</a:t>
+            </a:r>
+            <a:r>
+              <a:rPr lang="en-US" altLang="zh-CN" sz="2400" dirty="0" err="1"/>
+              <a:t>setConnectionAgent</a:t>
+            </a:r>
+            <a:r>
+              <a:rPr lang="en-US" altLang="zh-CN" sz="2400" dirty="0"/>
+              <a:t>(</a:t>
+            </a:r>
+            <a:r>
+              <a:rPr lang="en-US" altLang="zh-CN" sz="2400" dirty="0" err="1"/>
+              <a:t>connectionAgent</a:t>
+            </a:r>
+            <a:r>
+              <a:rPr lang="en-US" altLang="zh-CN" sz="2400" dirty="0"/>
+              <a:t>)</a:t>
+            </a:r>
+          </a:p>
+          <a:p>
+            <a:r>
+              <a:rPr lang="en-US" altLang="zh-CN" sz="2400" dirty="0"/>
+              <a:t>        .parse();</a:t>
+            </a:r>
+          </a:p>
+          <a:p>
+            <a:r>
+              <a:rPr lang="en-US" altLang="zh-CN" sz="2400" dirty="0"/>
+              <a:t>List&lt;Course&gt; courses =</a:t>
+            </a:r>
+          </a:p>
+          <a:p>
+            <a:r>
+              <a:rPr lang="en-US" altLang="zh-CN" sz="2400" dirty="0"/>
+              <a:t>    new </a:t>
+            </a:r>
+            <a:r>
+              <a:rPr lang="en-US" altLang="zh-CN" sz="2400" dirty="0" err="1"/>
+              <a:t>SelectedCourseParser</a:t>
+            </a:r>
+            <a:r>
+              <a:rPr lang="en-US" altLang="zh-CN" sz="2400" dirty="0"/>
+              <a:t>()</a:t>
+            </a:r>
+          </a:p>
+          <a:p>
+            <a:r>
+              <a:rPr lang="en-US" altLang="zh-CN" sz="2400" dirty="0"/>
+              <a:t>        .</a:t>
+            </a:r>
+            <a:r>
+              <a:rPr lang="en-US" altLang="zh-CN" sz="2400" dirty="0" err="1"/>
+              <a:t>setConnectionAgent</a:t>
+            </a:r>
+            <a:r>
+              <a:rPr lang="en-US" altLang="zh-CN" sz="2400" dirty="0"/>
+              <a:t>(</a:t>
+            </a:r>
+            <a:r>
+              <a:rPr lang="en-US" altLang="zh-CN" sz="2400" dirty="0" err="1"/>
+              <a:t>connectionAgent</a:t>
+            </a:r>
+            <a:r>
+              <a:rPr lang="en-US" altLang="zh-CN" sz="2400" dirty="0"/>
+              <a:t>)</a:t>
+            </a:r>
+          </a:p>
+          <a:p>
+            <a:r>
+              <a:rPr lang="en-US" altLang="zh-CN" sz="2400" dirty="0"/>
+              <a:t>        .parse();</a:t>
             </a:r>
           </a:p>
         </p:txBody>
@@ -9634,7 +8820,7 @@
     </p:spTree>
     <p:extLst>
       <p:ext uri="{BB962C8B-B14F-4D97-AF65-F5344CB8AC3E}">
-        <p14:creationId xmlns:p14="http://schemas.microsoft.com/office/powerpoint/2010/main" val="3428849224"/>
+        <p14:creationId xmlns:p14="http://schemas.microsoft.com/office/powerpoint/2010/main" val="1077153817"/>
       </p:ext>
     </p:extLst>
   </p:cSld>
@@ -9715,6 +8901,1005 @@
         </p:nvSpPr>
         <p:spPr>
           <a:xfrm>
+            <a:off x="72570" y="1066799"/>
+            <a:ext cx="8534401" cy="5909310"/>
+          </a:xfrm>
+          <a:prstGeom prst="rect">
+            <a:avLst/>
+          </a:prstGeom>
+          <a:noFill/>
+        </p:spPr>
+        <p:txBody>
+          <a:bodyPr wrap="square" rtlCol="0">
+            <a:spAutoFit/>
+          </a:bodyPr>
+          <a:lstStyle/>
+          <a:p>
+            <a:r>
+              <a:rPr lang="en-US" altLang="zh-CN" sz="1050" dirty="0"/>
+              <a:t>-------------------- </a:t>
+            </a:r>
+            <a:r>
+              <a:rPr lang="zh-CN" altLang="en-US" sz="1050" dirty="0"/>
+              <a:t>个人信息 </a:t>
+            </a:r>
+            <a:r>
+              <a:rPr lang="en-US" altLang="zh-CN" sz="1050" dirty="0"/>
+              <a:t>--------------------</a:t>
+            </a:r>
+          </a:p>
+          <a:p>
+            <a:r>
+              <a:rPr lang="en-US" altLang="zh-CN" sz="1050" dirty="0"/>
+              <a:t>{</a:t>
+            </a:r>
+            <a:r>
+              <a:rPr lang="zh-CN" altLang="en-US" sz="1050" dirty="0"/>
+              <a:t>联系方式</a:t>
+            </a:r>
+            <a:r>
+              <a:rPr lang="en-US" altLang="zh-CN" sz="1050" dirty="0"/>
+              <a:t>={</a:t>
+            </a:r>
+            <a:r>
+              <a:rPr lang="zh-CN" altLang="en-US" sz="1050" dirty="0"/>
+              <a:t>家长电话</a:t>
+            </a:r>
+            <a:r>
+              <a:rPr lang="en-US" altLang="zh-CN" sz="1050" dirty="0"/>
+              <a:t>=13081106100, </a:t>
+            </a:r>
+            <a:r>
+              <a:rPr lang="zh-CN" altLang="en-US" sz="1050" dirty="0"/>
+              <a:t>个人邮箱</a:t>
+            </a:r>
+            <a:r>
+              <a:rPr lang="en-US" altLang="zh-CN" sz="1050" dirty="0"/>
+              <a:t>=baijie1991@gmail.com, </a:t>
+            </a:r>
+            <a:r>
+              <a:rPr lang="zh-CN" altLang="en-US" sz="1050" dirty="0"/>
+              <a:t>个人手机</a:t>
+            </a:r>
+            <a:r>
+              <a:rPr lang="en-US" altLang="zh-CN" sz="1050" dirty="0"/>
+              <a:t>=15620906177, </a:t>
+            </a:r>
+            <a:r>
+              <a:rPr lang="zh-CN" altLang="en-US" sz="1050" dirty="0"/>
+              <a:t>校区</a:t>
+            </a:r>
+            <a:r>
+              <a:rPr lang="en-US" altLang="zh-CN" sz="1050" dirty="0"/>
+              <a:t>=2, </a:t>
+            </a:r>
+            <a:r>
+              <a:rPr lang="zh-CN" altLang="en-US" sz="1050" dirty="0"/>
+              <a:t>家长工作单位</a:t>
+            </a:r>
+            <a:r>
+              <a:rPr lang="en-US" altLang="zh-CN" sz="1050" dirty="0"/>
+              <a:t>=</a:t>
+            </a:r>
+            <a:r>
+              <a:rPr lang="zh-CN" altLang="en-US" sz="1050" dirty="0"/>
+              <a:t>部队</a:t>
+            </a:r>
+            <a:r>
+              <a:rPr lang="en-US" altLang="zh-CN" sz="1050" dirty="0"/>
+              <a:t>, </a:t>
+            </a:r>
+            <a:r>
+              <a:rPr lang="zh-CN" altLang="en-US" sz="1050" dirty="0"/>
+              <a:t>家庭邮编</a:t>
+            </a:r>
+            <a:r>
+              <a:rPr lang="en-US" altLang="zh-CN" sz="1050" dirty="0"/>
+              <a:t>=050207, </a:t>
+            </a:r>
+            <a:r>
+              <a:rPr lang="zh-CN" altLang="en-US" sz="1050" dirty="0"/>
+              <a:t>家庭电话</a:t>
+            </a:r>
+            <a:r>
+              <a:rPr lang="en-US" altLang="zh-CN" sz="1050" dirty="0"/>
+              <a:t>=0311-87973959, </a:t>
+            </a:r>
+            <a:r>
+              <a:rPr lang="zh-CN" altLang="en-US" sz="1050" dirty="0"/>
+              <a:t>家长关系</a:t>
+            </a:r>
+            <a:r>
+              <a:rPr lang="en-US" altLang="zh-CN" sz="1050" dirty="0"/>
+              <a:t>=01, </a:t>
+            </a:r>
+            <a:r>
+              <a:rPr lang="zh-CN" altLang="en-US" sz="1050" dirty="0"/>
+              <a:t>家长姓名</a:t>
+            </a:r>
+            <a:r>
+              <a:rPr lang="en-US" altLang="zh-CN" sz="1050" dirty="0"/>
+              <a:t>=</a:t>
+            </a:r>
+            <a:r>
+              <a:rPr lang="zh-CN" altLang="en-US" sz="1050" dirty="0"/>
+              <a:t>柏俊泽</a:t>
+            </a:r>
+            <a:r>
+              <a:rPr lang="en-US" altLang="zh-CN" sz="1050" dirty="0"/>
+              <a:t>}, </a:t>
+            </a:r>
+            <a:r>
+              <a:rPr lang="zh-CN" altLang="en-US" sz="1050" dirty="0"/>
+              <a:t>基本信息</a:t>
+            </a:r>
+            <a:r>
+              <a:rPr lang="en-US" altLang="zh-CN" sz="1050" dirty="0"/>
+              <a:t>={</a:t>
+            </a:r>
+            <a:r>
+              <a:rPr lang="zh-CN" altLang="en-US" sz="1050" dirty="0"/>
+              <a:t>姓名</a:t>
+            </a:r>
+            <a:r>
+              <a:rPr lang="en-US" altLang="zh-CN" sz="1050" dirty="0"/>
+              <a:t>=</a:t>
+            </a:r>
+            <a:r>
+              <a:rPr lang="zh-CN" altLang="en-US" sz="1050" dirty="0"/>
+              <a:t>柏杰</a:t>
+            </a:r>
+            <a:r>
+              <a:rPr lang="en-US" altLang="zh-CN" sz="1050" dirty="0"/>
+              <a:t>, </a:t>
+            </a:r>
+            <a:r>
+              <a:rPr lang="zh-CN" altLang="en-US" sz="1050" dirty="0"/>
+              <a:t>民族</a:t>
+            </a:r>
+            <a:r>
+              <a:rPr lang="en-US" altLang="zh-CN" sz="1050" dirty="0"/>
+              <a:t>=23, </a:t>
+            </a:r>
+            <a:r>
+              <a:rPr lang="zh-CN" altLang="en-US" sz="1050" dirty="0"/>
+              <a:t>证件号码</a:t>
+            </a:r>
+            <a:r>
+              <a:rPr lang="en-US" altLang="zh-CN" sz="1050" dirty="0"/>
+              <a:t>=130103199103082112, </a:t>
+            </a:r>
+            <a:r>
+              <a:rPr lang="zh-CN" altLang="en-US" sz="1050" dirty="0"/>
+              <a:t>出生日期</a:t>
+            </a:r>
+            <a:r>
+              <a:rPr lang="en-US" altLang="zh-CN" sz="1050" dirty="0"/>
+              <a:t>=1991-03-08, </a:t>
+            </a:r>
+            <a:r>
+              <a:rPr lang="zh-CN" altLang="en-US" sz="1050" dirty="0"/>
+              <a:t>政治面貌</a:t>
+            </a:r>
+            <a:r>
+              <a:rPr lang="en-US" altLang="zh-CN" sz="1050" dirty="0"/>
+              <a:t>=3, </a:t>
+            </a:r>
+            <a:r>
+              <a:rPr lang="zh-CN" altLang="en-US" sz="1050" dirty="0"/>
+              <a:t>学号</a:t>
+            </a:r>
+            <a:r>
+              <a:rPr lang="en-US" altLang="zh-CN" sz="1050" dirty="0"/>
+              <a:t>=20106173, </a:t>
+            </a:r>
+            <a:r>
+              <a:rPr lang="zh-CN" altLang="en-US" sz="1050" dirty="0"/>
+              <a:t>证件类型</a:t>
+            </a:r>
+            <a:r>
+              <a:rPr lang="en-US" altLang="zh-CN" sz="1050" dirty="0"/>
+              <a:t>=1, </a:t>
+            </a:r>
+            <a:r>
+              <a:rPr lang="zh-CN" altLang="en-US" sz="1050" dirty="0"/>
+              <a:t>姓名拼音</a:t>
+            </a:r>
+            <a:r>
+              <a:rPr lang="en-US" altLang="zh-CN" sz="1050" dirty="0"/>
+              <a:t>=Bo </a:t>
+            </a:r>
+            <a:r>
+              <a:rPr lang="en-US" altLang="zh-CN" sz="1050" dirty="0" err="1"/>
+              <a:t>Jie</a:t>
+            </a:r>
+            <a:r>
+              <a:rPr lang="en-US" altLang="zh-CN" sz="1050" dirty="0"/>
+              <a:t>, </a:t>
+            </a:r>
+            <a:r>
+              <a:rPr lang="zh-CN" altLang="en-US" sz="1050" dirty="0"/>
+              <a:t>籍贯</a:t>
+            </a:r>
+            <a:r>
+              <a:rPr lang="en-US" altLang="zh-CN" sz="1050" dirty="0"/>
+              <a:t>=130400, </a:t>
+            </a:r>
+            <a:r>
+              <a:rPr lang="zh-CN" altLang="en-US" sz="1050" dirty="0"/>
+              <a:t>国家地区</a:t>
+            </a:r>
+            <a:r>
+              <a:rPr lang="en-US" altLang="zh-CN" sz="1050" dirty="0"/>
+              <a:t>=01, </a:t>
+            </a:r>
+            <a:r>
+              <a:rPr lang="zh-CN" altLang="en-US" sz="1050" dirty="0"/>
+              <a:t>性别</a:t>
+            </a:r>
+            <a:r>
+              <a:rPr lang="en-US" altLang="zh-CN" sz="1050" dirty="0"/>
+              <a:t>=1}, </a:t>
+            </a:r>
+            <a:r>
+              <a:rPr lang="zh-CN" altLang="en-US" sz="1050" dirty="0"/>
+              <a:t>学籍信息</a:t>
+            </a:r>
+            <a:r>
+              <a:rPr lang="en-US" altLang="zh-CN" sz="1050" dirty="0"/>
+              <a:t>={</a:t>
+            </a:r>
+            <a:r>
+              <a:rPr lang="zh-CN" altLang="en-US" sz="1050" dirty="0"/>
+              <a:t>班级</a:t>
+            </a:r>
+            <a:r>
+              <a:rPr lang="en-US" altLang="zh-CN" sz="1050" dirty="0"/>
+              <a:t>=0607201006, </a:t>
+            </a:r>
+            <a:r>
+              <a:rPr lang="zh-CN" altLang="en-US" sz="1050" dirty="0"/>
+              <a:t>是否在籍</a:t>
+            </a:r>
+            <a:r>
+              <a:rPr lang="en-US" altLang="zh-CN" sz="1050" dirty="0"/>
+              <a:t>=1, </a:t>
+            </a:r>
+            <a:r>
+              <a:rPr lang="zh-CN" altLang="en-US" sz="1050" dirty="0"/>
+              <a:t>年级</a:t>
+            </a:r>
+            <a:r>
+              <a:rPr lang="en-US" altLang="zh-CN" sz="1050" dirty="0"/>
+              <a:t>=2010, </a:t>
+            </a:r>
+            <a:r>
+              <a:rPr lang="zh-CN" altLang="en-US" sz="1050" dirty="0"/>
+              <a:t>学生类别</a:t>
+            </a:r>
+            <a:r>
+              <a:rPr lang="en-US" altLang="zh-CN" sz="1050" dirty="0"/>
+              <a:t>=1, </a:t>
+            </a:r>
+            <a:r>
+              <a:rPr lang="zh-CN" altLang="en-US" sz="1050" dirty="0"/>
+              <a:t>是否在校</a:t>
+            </a:r>
+            <a:r>
+              <a:rPr lang="en-US" altLang="zh-CN" sz="1050" dirty="0"/>
+              <a:t>=1, </a:t>
+            </a:r>
+            <a:r>
+              <a:rPr lang="zh-CN" altLang="en-US" sz="1050" dirty="0"/>
+              <a:t>院系</a:t>
+            </a:r>
+            <a:r>
+              <a:rPr lang="en-US" altLang="zh-CN" sz="1050" dirty="0"/>
+              <a:t>=06, </a:t>
+            </a:r>
+            <a:r>
+              <a:rPr lang="zh-CN" altLang="en-US" sz="1050" dirty="0"/>
+              <a:t>学制</a:t>
+            </a:r>
+            <a:r>
+              <a:rPr lang="en-US" altLang="zh-CN" sz="1050" dirty="0"/>
+              <a:t>=4, </a:t>
+            </a:r>
+            <a:r>
+              <a:rPr lang="zh-CN" altLang="en-US" sz="1050" dirty="0"/>
+              <a:t>专业</a:t>
+            </a:r>
+            <a:r>
+              <a:rPr lang="en-US" altLang="zh-CN" sz="1050" dirty="0"/>
+              <a:t>=0607, </a:t>
+            </a:r>
+            <a:r>
+              <a:rPr lang="zh-CN" altLang="en-US" sz="1050" dirty="0"/>
+              <a:t>学籍状态</a:t>
+            </a:r>
+            <a:r>
+              <a:rPr lang="en-US" altLang="zh-CN" sz="1050" dirty="0"/>
+              <a:t>=1}, </a:t>
+            </a:r>
+            <a:r>
+              <a:rPr lang="zh-CN" altLang="en-US" sz="1050" dirty="0"/>
+              <a:t>入学信息</a:t>
+            </a:r>
+            <a:r>
+              <a:rPr lang="en-US" altLang="zh-CN" sz="1050" dirty="0"/>
+              <a:t>={</a:t>
+            </a:r>
+            <a:r>
+              <a:rPr lang="zh-CN" altLang="en-US" sz="1050" dirty="0"/>
+              <a:t>招生季度</a:t>
+            </a:r>
+            <a:r>
+              <a:rPr lang="en-US" altLang="zh-CN" sz="1050" dirty="0"/>
+              <a:t>=01, </a:t>
+            </a:r>
+            <a:r>
+              <a:rPr lang="zh-CN" altLang="en-US" sz="1050" dirty="0"/>
+              <a:t>考生号</a:t>
+            </a:r>
+            <a:r>
+              <a:rPr lang="en-US" altLang="zh-CN" sz="1050" dirty="0"/>
+              <a:t>=10130103150617, </a:t>
+            </a:r>
+            <a:r>
+              <a:rPr lang="zh-CN" altLang="en-US" sz="1050" dirty="0"/>
+              <a:t>入学年级</a:t>
+            </a:r>
+            <a:r>
+              <a:rPr lang="en-US" altLang="zh-CN" sz="1050" dirty="0"/>
+              <a:t>=2010, </a:t>
+            </a:r>
+            <a:r>
+              <a:rPr lang="zh-CN" altLang="en-US" sz="1050" dirty="0"/>
+              <a:t>入学日期</a:t>
+            </a:r>
+            <a:r>
+              <a:rPr lang="en-US" altLang="zh-CN" sz="1050" dirty="0"/>
+              <a:t>=2010-09-12, </a:t>
+            </a:r>
+            <a:r>
+              <a:rPr lang="zh-CN" altLang="en-US" sz="1050" dirty="0"/>
+              <a:t>学习形式</a:t>
+            </a:r>
+            <a:r>
+              <a:rPr lang="en-US" altLang="zh-CN" sz="1050" dirty="0"/>
+              <a:t>=01, </a:t>
+            </a:r>
+            <a:r>
+              <a:rPr lang="zh-CN" altLang="en-US" sz="1050" dirty="0"/>
+              <a:t>生源地</a:t>
+            </a:r>
+            <a:r>
+              <a:rPr lang="en-US" altLang="zh-CN" sz="1050" dirty="0"/>
+              <a:t>=130100, </a:t>
+            </a:r>
+            <a:r>
+              <a:rPr lang="zh-CN" altLang="en-US" sz="1050" dirty="0"/>
+              <a:t>培养层次</a:t>
+            </a:r>
+            <a:r>
+              <a:rPr lang="en-US" altLang="zh-CN" sz="1050" dirty="0"/>
+              <a:t>=01, </a:t>
+            </a:r>
+            <a:r>
+              <a:rPr lang="zh-CN" altLang="en-US" sz="1050" dirty="0"/>
+              <a:t>外语种类</a:t>
+            </a:r>
+            <a:r>
+              <a:rPr lang="en-US" altLang="zh-CN" sz="1050" dirty="0"/>
+              <a:t>=01}}</a:t>
+            </a:r>
+          </a:p>
+          <a:p>
+            <a:r>
+              <a:rPr lang="en-US" altLang="zh-CN" sz="1050" dirty="0"/>
+              <a:t>-------------------- </a:t>
+            </a:r>
+            <a:r>
+              <a:rPr lang="zh-CN" altLang="en-US" sz="1050" dirty="0"/>
+              <a:t>已选课程 </a:t>
+            </a:r>
+            <a:r>
+              <a:rPr lang="en-US" altLang="zh-CN" sz="1050" dirty="0"/>
+              <a:t>--------------------</a:t>
+            </a:r>
+          </a:p>
+          <a:p>
+            <a:r>
+              <a:rPr lang="en-US" altLang="zh-CN" sz="1050" dirty="0"/>
+              <a:t>[0686046	</a:t>
+            </a:r>
+            <a:r>
+              <a:rPr lang="zh-CN" altLang="en-US" sz="1050" dirty="0"/>
+              <a:t>毕业设计（论文）	</a:t>
+            </a:r>
+            <a:r>
+              <a:rPr lang="en-US" altLang="zh-CN" sz="1050" dirty="0"/>
+              <a:t>null	</a:t>
+            </a:r>
+            <a:r>
+              <a:rPr lang="zh-CN" altLang="en-US" sz="1050" dirty="0"/>
+              <a:t>宁红云	</a:t>
+            </a:r>
+            <a:r>
+              <a:rPr lang="en-US" altLang="zh-CN" sz="1050" dirty="0"/>
+              <a:t>15	null	null	2013	2	null	null</a:t>
+            </a:r>
+          </a:p>
+          <a:p>
+            <a:r>
+              <a:rPr lang="en-US" altLang="zh-CN" sz="1050" dirty="0"/>
+              <a:t>null, 0666136	</a:t>
+            </a:r>
+            <a:r>
+              <a:rPr lang="zh-CN" altLang="en-US" sz="1050" dirty="0"/>
+              <a:t>计算机结构	</a:t>
+            </a:r>
+            <a:r>
+              <a:rPr lang="en-US" altLang="zh-CN" sz="1050" dirty="0"/>
+              <a:t>null	null	3	null	null	2012	1	null	null</a:t>
+            </a:r>
+          </a:p>
+          <a:p>
+            <a:r>
+              <a:rPr lang="en-US" altLang="zh-CN" sz="1050" dirty="0"/>
+              <a:t>null, 0666166	</a:t>
+            </a:r>
+            <a:r>
+              <a:rPr lang="zh-CN" altLang="en-US" sz="1050" dirty="0"/>
+              <a:t>面向对象的程序设计	</a:t>
+            </a:r>
+            <a:r>
+              <a:rPr lang="en-US" altLang="zh-CN" sz="1050" dirty="0"/>
+              <a:t>null	null	3	null	null	2012	1	null	null</a:t>
+            </a:r>
+          </a:p>
+          <a:p>
+            <a:r>
+              <a:rPr lang="en-US" altLang="zh-CN" sz="1050" dirty="0"/>
+              <a:t>null, 0666196	</a:t>
+            </a:r>
+            <a:r>
+              <a:rPr lang="zh-CN" altLang="en-US" sz="1050" dirty="0"/>
+              <a:t>运筹学	</a:t>
+            </a:r>
+            <a:r>
+              <a:rPr lang="en-US" altLang="zh-CN" sz="1050" dirty="0"/>
+              <a:t>null	null	3	null	null	2012	1	null	null</a:t>
+            </a:r>
+          </a:p>
+          <a:p>
+            <a:r>
+              <a:rPr lang="en-US" altLang="zh-CN" sz="1050" dirty="0"/>
+              <a:t>null, 0666206	</a:t>
+            </a:r>
+            <a:r>
+              <a:rPr lang="zh-CN" altLang="en-US" sz="1050" dirty="0"/>
+              <a:t>网络体系结构与程序设计	</a:t>
+            </a:r>
+            <a:r>
+              <a:rPr lang="en-US" altLang="zh-CN" sz="1050" dirty="0"/>
+              <a:t>null	null	3	null	null	2012	1	null	null</a:t>
+            </a:r>
+          </a:p>
+          <a:p>
+            <a:r>
+              <a:rPr lang="en-US" altLang="zh-CN" sz="1050" dirty="0"/>
+              <a:t>null, 0666226	</a:t>
+            </a:r>
+            <a:r>
+              <a:rPr lang="zh-CN" altLang="en-US" sz="1050" dirty="0"/>
+              <a:t>数据库与功能分析	</a:t>
+            </a:r>
+            <a:r>
+              <a:rPr lang="en-US" altLang="zh-CN" sz="1050" dirty="0"/>
+              <a:t>null	null	3	null	null	2012	1	null	null</a:t>
+            </a:r>
+          </a:p>
+          <a:p>
+            <a:r>
+              <a:rPr lang="en-US" altLang="zh-CN" sz="1050" dirty="0"/>
+              <a:t>null, 0666336	</a:t>
+            </a:r>
+            <a:r>
+              <a:rPr lang="zh-CN" altLang="en-US" sz="1050" dirty="0"/>
+              <a:t>多媒体：概念与方法	</a:t>
+            </a:r>
+            <a:r>
+              <a:rPr lang="en-US" altLang="zh-CN" sz="1050" dirty="0"/>
+              <a:t>null	null	3	null	null	2012	1	null	null</a:t>
+            </a:r>
+          </a:p>
+          <a:p>
+            <a:r>
+              <a:rPr lang="en-US" altLang="zh-CN" sz="1050" dirty="0"/>
+              <a:t>null, 0668036	</a:t>
+            </a:r>
+            <a:r>
+              <a:rPr lang="zh-CN" altLang="en-US" sz="1050" dirty="0"/>
+              <a:t>操作系统	</a:t>
+            </a:r>
+            <a:r>
+              <a:rPr lang="en-US" altLang="zh-CN" sz="1050" dirty="0"/>
+              <a:t>null	null	4	null	null	2012	1	null	null</a:t>
+            </a:r>
+          </a:p>
+          <a:p>
+            <a:r>
+              <a:rPr lang="en-US" altLang="zh-CN" sz="1050" dirty="0"/>
+              <a:t>null, 1190076	</a:t>
+            </a:r>
+            <a:r>
+              <a:rPr lang="zh-CN" altLang="en-US" sz="1050" dirty="0"/>
+              <a:t>毛泽东思想和中国特色社会主义理论体系概论	</a:t>
+            </a:r>
+            <a:r>
+              <a:rPr lang="en-US" altLang="zh-CN" sz="1050" dirty="0"/>
+              <a:t>null	null	6	null	null	2012	1	null	null</a:t>
+            </a:r>
+          </a:p>
+          <a:p>
+            <a:r>
+              <a:rPr lang="en-US" altLang="zh-CN" sz="1050" dirty="0"/>
+              <a:t>null, 0662016	</a:t>
+            </a:r>
+            <a:r>
+              <a:rPr lang="zh-CN" altLang="en-US" sz="1050" dirty="0"/>
+              <a:t>计算机网络	</a:t>
+            </a:r>
+            <a:r>
+              <a:rPr lang="en-US" altLang="zh-CN" sz="1050" dirty="0"/>
+              <a:t>null	null	3	null	null	2012	2	null	null</a:t>
+            </a:r>
+          </a:p>
+          <a:p>
+            <a:r>
+              <a:rPr lang="en-US" altLang="zh-CN" sz="1050" dirty="0"/>
+              <a:t>null, 0666026	</a:t>
+            </a:r>
+            <a:r>
+              <a:rPr lang="zh-CN" altLang="en-US" sz="1050" dirty="0"/>
+              <a:t>会计学基础概念	</a:t>
+            </a:r>
+            <a:r>
+              <a:rPr lang="en-US" altLang="zh-CN" sz="1050" dirty="0"/>
+              <a:t>null	null	3	null	null	2012	2	null	null</a:t>
+            </a:r>
+          </a:p>
+          <a:p>
+            <a:r>
+              <a:rPr lang="en-US" altLang="zh-CN" sz="1050" dirty="0"/>
+              <a:t>null, 0666076	</a:t>
+            </a:r>
+            <a:r>
+              <a:rPr lang="zh-CN" altLang="en-US" sz="1050" dirty="0"/>
+              <a:t>软件工程：软件构件与软件重用	</a:t>
+            </a:r>
+            <a:r>
+              <a:rPr lang="en-US" altLang="zh-CN" sz="1050" dirty="0"/>
+              <a:t>null	null	3	null	null	2012	2	null	null</a:t>
+            </a:r>
+          </a:p>
+          <a:p>
+            <a:r>
+              <a:rPr lang="en-US" altLang="zh-CN" sz="1050" dirty="0"/>
+              <a:t>null, 0666096	</a:t>
+            </a:r>
+            <a:r>
+              <a:rPr lang="zh-CN" altLang="en-US" sz="1050" dirty="0"/>
+              <a:t>信息和电子商务技术	</a:t>
+            </a:r>
+            <a:r>
+              <a:rPr lang="en-US" altLang="zh-CN" sz="1050" dirty="0"/>
+              <a:t>null	null	3	null	null	2012	2	null	null</a:t>
+            </a:r>
+          </a:p>
+          <a:p>
+            <a:r>
+              <a:rPr lang="en-US" altLang="zh-CN" sz="1050" dirty="0"/>
+              <a:t>null, 0666146	</a:t>
+            </a:r>
+            <a:r>
+              <a:rPr lang="zh-CN" altLang="en-US" sz="1050" dirty="0"/>
+              <a:t>对象设计与建模	</a:t>
+            </a:r>
+            <a:r>
+              <a:rPr lang="en-US" altLang="zh-CN" sz="1050" dirty="0"/>
+              <a:t>null	null	3	null	null	2012	2	null	null</a:t>
+            </a:r>
+          </a:p>
+          <a:p>
+            <a:r>
+              <a:rPr lang="en-US" altLang="zh-CN" sz="1050" dirty="0"/>
+              <a:t>null, 0666236	</a:t>
+            </a:r>
+            <a:r>
+              <a:rPr lang="zh-CN" altLang="en-US" sz="1050" dirty="0"/>
+              <a:t>高级数据库	</a:t>
+            </a:r>
+            <a:r>
+              <a:rPr lang="en-US" altLang="zh-CN" sz="1050" dirty="0"/>
+              <a:t>null	null	3	null	null	2012	2	null	null</a:t>
+            </a:r>
+          </a:p>
+          <a:p>
+            <a:r>
+              <a:rPr lang="en-US" altLang="zh-CN" sz="1050" dirty="0"/>
+              <a:t>null, 0686016	</a:t>
+            </a:r>
+            <a:r>
+              <a:rPr lang="zh-CN" altLang="en-US" sz="1050" dirty="0"/>
+              <a:t>企划与项目开发	</a:t>
+            </a:r>
+            <a:r>
+              <a:rPr lang="en-US" altLang="zh-CN" sz="1050" dirty="0"/>
+              <a:t>null	null	3	null	null	2012	2	null	null</a:t>
+            </a:r>
+          </a:p>
+          <a:p>
+            <a:r>
+              <a:rPr lang="en-US" altLang="zh-CN" sz="1050" dirty="0"/>
+              <a:t>null, 0666036	</a:t>
+            </a:r>
+            <a:r>
+              <a:rPr lang="zh-CN" altLang="en-US" sz="1050" dirty="0"/>
+              <a:t>财务管理	</a:t>
+            </a:r>
+            <a:r>
+              <a:rPr lang="en-US" altLang="zh-CN" sz="1050" dirty="0"/>
+              <a:t>null	</a:t>
+            </a:r>
+            <a:r>
+              <a:rPr lang="zh-CN" altLang="en-US" sz="1050" dirty="0"/>
+              <a:t>郭力杰	</a:t>
+            </a:r>
+            <a:r>
+              <a:rPr lang="en-US" altLang="zh-CN" sz="1050" dirty="0"/>
+              <a:t>3	null	null	2013	1	null	null</a:t>
+            </a:r>
+          </a:p>
+          <a:p>
+            <a:r>
+              <a:rPr lang="en-US" altLang="zh-CN" sz="1050" dirty="0"/>
+              <a:t>1-5,8-14 </a:t>
+            </a:r>
+            <a:r>
+              <a:rPr lang="zh-CN" altLang="en-US" sz="1050" dirty="0"/>
+              <a:t>周 星期三 </a:t>
+            </a:r>
+            <a:r>
+              <a:rPr lang="en-US" altLang="zh-CN" sz="1050" dirty="0"/>
+              <a:t>3-4 </a:t>
+            </a:r>
+            <a:r>
+              <a:rPr lang="zh-CN" altLang="en-US" sz="1050" dirty="0"/>
+              <a:t>节 北楼</a:t>
+            </a:r>
+            <a:r>
+              <a:rPr lang="en-US" altLang="zh-CN" sz="1050" dirty="0"/>
+              <a:t>3 3-0201</a:t>
+            </a:r>
+          </a:p>
+          <a:p>
+            <a:r>
+              <a:rPr lang="en-US" altLang="zh-CN" sz="1050" dirty="0"/>
+              <a:t>1-5,8-14 </a:t>
+            </a:r>
+            <a:r>
+              <a:rPr lang="zh-CN" altLang="en-US" sz="1050" dirty="0"/>
+              <a:t>周 星期一 </a:t>
+            </a:r>
+            <a:r>
+              <a:rPr lang="en-US" altLang="zh-CN" sz="1050" dirty="0"/>
+              <a:t>7-8 </a:t>
+            </a:r>
+            <a:r>
+              <a:rPr lang="zh-CN" altLang="en-US" sz="1050" dirty="0"/>
+              <a:t>节 北楼</a:t>
+            </a:r>
+            <a:r>
+              <a:rPr lang="en-US" altLang="zh-CN" sz="1050" dirty="0"/>
+              <a:t>3 3-0201, 0666106	</a:t>
+            </a:r>
+            <a:r>
+              <a:rPr lang="zh-CN" altLang="en-US" sz="1050" dirty="0"/>
+              <a:t>计算机项目管理	</a:t>
+            </a:r>
+            <a:r>
+              <a:rPr lang="en-US" altLang="zh-CN" sz="1050" dirty="0"/>
+              <a:t>null	</a:t>
+            </a:r>
+            <a:r>
+              <a:rPr lang="zh-CN" altLang="en-US" sz="1050" dirty="0"/>
+              <a:t>夏承遗	</a:t>
+            </a:r>
+            <a:r>
+              <a:rPr lang="en-US" altLang="zh-CN" sz="1050" dirty="0"/>
+              <a:t>3	null	null	2013	1	null	null</a:t>
+            </a:r>
+          </a:p>
+          <a:p>
+            <a:r>
+              <a:rPr lang="en-US" altLang="zh-CN" sz="1050" dirty="0"/>
+              <a:t>1-5,8-14 </a:t>
+            </a:r>
+            <a:r>
+              <a:rPr lang="zh-CN" altLang="en-US" sz="1050" dirty="0"/>
+              <a:t>周 星期五 </a:t>
+            </a:r>
+            <a:r>
+              <a:rPr lang="en-US" altLang="zh-CN" sz="1050" dirty="0"/>
+              <a:t>3-4 </a:t>
+            </a:r>
+            <a:r>
+              <a:rPr lang="zh-CN" altLang="en-US" sz="1050" dirty="0"/>
+              <a:t>节 北楼</a:t>
+            </a:r>
+            <a:r>
+              <a:rPr lang="en-US" altLang="zh-CN" sz="1050" dirty="0"/>
+              <a:t>1 1-0202</a:t>
+            </a:r>
+          </a:p>
+          <a:p>
+            <a:r>
+              <a:rPr lang="en-US" altLang="zh-CN" sz="1050" dirty="0"/>
+              <a:t>1,3,5,9,11 </a:t>
+            </a:r>
+            <a:r>
+              <a:rPr lang="zh-CN" altLang="en-US" sz="1050" dirty="0"/>
+              <a:t>周 星期二 </a:t>
+            </a:r>
+            <a:r>
+              <a:rPr lang="en-US" altLang="zh-CN" sz="1050" dirty="0"/>
+              <a:t>7-8 </a:t>
+            </a:r>
+            <a:r>
+              <a:rPr lang="zh-CN" altLang="en-US" sz="1050" dirty="0"/>
+              <a:t>节 北楼</a:t>
+            </a:r>
+            <a:r>
+              <a:rPr lang="en-US" altLang="zh-CN" sz="1050" dirty="0"/>
+              <a:t>1 1-0202, 0666176	</a:t>
+            </a:r>
+            <a:r>
+              <a:rPr lang="zh-CN" altLang="en-US" sz="1050" dirty="0"/>
+              <a:t>工业计算机系统	</a:t>
+            </a:r>
+            <a:r>
+              <a:rPr lang="en-US" altLang="zh-CN" sz="1050" dirty="0"/>
+              <a:t>null	</a:t>
+            </a:r>
+            <a:r>
+              <a:rPr lang="zh-CN" altLang="en-US" sz="1050" dirty="0"/>
+              <a:t>杨鹏	</a:t>
+            </a:r>
+            <a:r>
+              <a:rPr lang="en-US" altLang="zh-CN" sz="1050" dirty="0"/>
+              <a:t>3	null	null	2013	1	null	null</a:t>
+            </a:r>
+          </a:p>
+          <a:p>
+            <a:r>
+              <a:rPr lang="en-US" altLang="zh-CN" sz="1050" dirty="0"/>
+              <a:t>null, 0666266	</a:t>
+            </a:r>
+            <a:r>
+              <a:rPr lang="zh-CN" altLang="en-US" sz="1050" dirty="0"/>
+              <a:t>分布式计算机系统	</a:t>
+            </a:r>
+            <a:r>
+              <a:rPr lang="en-US" altLang="zh-CN" sz="1050" dirty="0"/>
+              <a:t>null	</a:t>
+            </a:r>
+            <a:r>
+              <a:rPr lang="zh-CN" altLang="en-US" sz="1050" dirty="0"/>
+              <a:t>蔡靖	</a:t>
+            </a:r>
+            <a:r>
+              <a:rPr lang="en-US" altLang="zh-CN" sz="1050" dirty="0"/>
+              <a:t>3	null	null	2013	1	null	null</a:t>
+            </a:r>
+          </a:p>
+          <a:p>
+            <a:r>
+              <a:rPr lang="en-US" altLang="zh-CN" sz="1050" dirty="0"/>
+              <a:t>null, 0666276	</a:t>
+            </a:r>
+            <a:r>
+              <a:rPr lang="zh-CN" altLang="en-US" sz="1050" dirty="0"/>
+              <a:t>微机硬件组成原理	</a:t>
+            </a:r>
+            <a:r>
+              <a:rPr lang="en-US" altLang="zh-CN" sz="1050" dirty="0"/>
+              <a:t>null	</a:t>
+            </a:r>
+            <a:r>
+              <a:rPr lang="zh-CN" altLang="en-US" sz="1050" dirty="0"/>
+              <a:t>韩盛磊	</a:t>
+            </a:r>
+            <a:r>
+              <a:rPr lang="en-US" altLang="zh-CN" sz="1050" dirty="0"/>
+              <a:t>3	null	null	2013	1	null	null</a:t>
+            </a:r>
+          </a:p>
+          <a:p>
+            <a:r>
+              <a:rPr lang="en-US" altLang="zh-CN" sz="1050" dirty="0"/>
+              <a:t>1-5,8-14 </a:t>
+            </a:r>
+            <a:r>
+              <a:rPr lang="zh-CN" altLang="en-US" sz="1050" dirty="0"/>
+              <a:t>周 星期五 </a:t>
+            </a:r>
+            <a:r>
+              <a:rPr lang="en-US" altLang="zh-CN" sz="1050" dirty="0"/>
+              <a:t>1-2 </a:t>
+            </a:r>
+            <a:r>
+              <a:rPr lang="zh-CN" altLang="en-US" sz="1050" dirty="0"/>
+              <a:t>节 北楼</a:t>
+            </a:r>
+            <a:r>
+              <a:rPr lang="en-US" altLang="zh-CN" sz="1050" dirty="0"/>
+              <a:t>1 1-0202</a:t>
+            </a:r>
+          </a:p>
+          <a:p>
+            <a:r>
+              <a:rPr lang="en-US" altLang="zh-CN" sz="1050" dirty="0"/>
+              <a:t>1-5,8-15 </a:t>
+            </a:r>
+            <a:r>
+              <a:rPr lang="zh-CN" altLang="en-US" sz="1050" dirty="0"/>
+              <a:t>周 星期二 </a:t>
+            </a:r>
+            <a:r>
+              <a:rPr lang="en-US" altLang="zh-CN" sz="1050" dirty="0"/>
+              <a:t>1-2 </a:t>
+            </a:r>
+            <a:r>
+              <a:rPr lang="zh-CN" altLang="en-US" sz="1050" dirty="0"/>
+              <a:t>节 北楼</a:t>
+            </a:r>
+            <a:r>
+              <a:rPr lang="en-US" altLang="zh-CN" sz="1050" dirty="0"/>
+              <a:t>1 1-0202, 0686026	</a:t>
+            </a:r>
+            <a:r>
+              <a:rPr lang="zh-CN" altLang="en-US" sz="1050" dirty="0"/>
+              <a:t>市场调研	</a:t>
+            </a:r>
+            <a:r>
+              <a:rPr lang="en-US" altLang="zh-CN" sz="1050" dirty="0"/>
+              <a:t>null	</a:t>
+            </a:r>
+            <a:r>
+              <a:rPr lang="zh-CN" altLang="en-US" sz="1050" dirty="0"/>
+              <a:t>李双喜	</a:t>
+            </a:r>
+            <a:r>
+              <a:rPr lang="en-US" altLang="zh-CN" sz="1050" dirty="0"/>
+              <a:t>2	null	null	2013	1	null	null</a:t>
+            </a:r>
+          </a:p>
+          <a:p>
+            <a:r>
+              <a:rPr lang="en-US" altLang="zh-CN" sz="1050" dirty="0"/>
+              <a:t>null, 0686416	</a:t>
+            </a:r>
+            <a:r>
+              <a:rPr lang="zh-CN" altLang="en-US" sz="1050" dirty="0"/>
+              <a:t>数据库课程设计	</a:t>
+            </a:r>
+            <a:r>
+              <a:rPr lang="en-US" altLang="zh-CN" sz="1050" dirty="0"/>
+              <a:t>null	</a:t>
+            </a:r>
+            <a:r>
+              <a:rPr lang="zh-CN" altLang="en-US" sz="1050" dirty="0"/>
+              <a:t>董晨	</a:t>
+            </a:r>
+            <a:r>
+              <a:rPr lang="en-US" altLang="zh-CN" sz="1050" dirty="0"/>
+              <a:t>2	null	null	2013	1	null	null</a:t>
+            </a:r>
+          </a:p>
+          <a:p>
+            <a:r>
+              <a:rPr lang="en-US" altLang="zh-CN" sz="1050" dirty="0"/>
+              <a:t>null]</a:t>
+            </a:r>
+          </a:p>
+        </p:txBody>
+      </p:sp>
+    </p:spTree>
+    <p:extLst>
+      <p:ext uri="{BB962C8B-B14F-4D97-AF65-F5344CB8AC3E}">
+        <p14:creationId xmlns:p14="http://schemas.microsoft.com/office/powerpoint/2010/main" val="3428849224"/>
+      </p:ext>
+    </p:extLst>
+  </p:cSld>
+  <p:clrMapOvr>
+    <a:masterClrMapping/>
+  </p:clrMapOvr>
+  <mc:AlternateContent xmlns:mc="http://schemas.openxmlformats.org/markup-compatibility/2006" xmlns:p15="http://schemas.microsoft.com/office/powerpoint/2012/main">
+    <mc:Choice Requires="p15">
+      <p:transition xmlns:p14="http://schemas.microsoft.com/office/powerpoint/2010/main" p14:dur="250">
+        <p15:prstTrans prst="peelOff"/>
+      </p:transition>
+    </mc:Choice>
+    <mc:Fallback xmlns="">
+      <p:transition>
+        <p:fade/>
+      </p:transition>
+    </mc:Fallback>
+  </mc:AlternateContent>
+  <p:timing>
+    <p:tnLst>
+      <p:par>
+        <p:cTn id="1" dur="indefinite" restart="never" nodeType="tmRoot"/>
+      </p:par>
+    </p:tnLst>
+  </p:timing>
+</p:sld>
+</file>
+
+<file path=ppt/slides/slide22.xml><?xml version="1.0" encoding="utf-8"?>
+<p:sld xmlns:a="http://schemas.openxmlformats.org/drawingml/2006/main" xmlns:r="http://schemas.openxmlformats.org/officeDocument/2006/relationships" xmlns:p="http://schemas.openxmlformats.org/presentationml/2006/main">
+  <p:cSld>
+    <p:spTree>
+      <p:nvGrpSpPr>
+        <p:cNvPr id="1" name=""/>
+        <p:cNvGrpSpPr/>
+        <p:nvPr/>
+      </p:nvGrpSpPr>
+      <p:grpSpPr>
+        <a:xfrm>
+          <a:off x="0" y="0"/>
+          <a:ext cx="0" cy="0"/>
+          <a:chOff x="0" y="0"/>
+          <a:chExt cx="0" cy="0"/>
+        </a:xfrm>
+      </p:grpSpPr>
+      <p:sp>
+        <p:nvSpPr>
+          <p:cNvPr id="2" name="标题 1"/>
+          <p:cNvSpPr>
+            <a:spLocks noGrp="1"/>
+          </p:cNvSpPr>
+          <p:nvPr>
+            <p:ph type="title"/>
+          </p:nvPr>
+        </p:nvSpPr>
+        <p:spPr/>
+        <p:txBody>
+          <a:bodyPr/>
+          <a:lstStyle/>
+          <a:p>
+            <a:r>
+              <a:rPr lang="zh-CN" altLang="en-US" dirty="0"/>
+              <a:t>解析</a:t>
+            </a:r>
+            <a:r>
+              <a:rPr lang="zh-CN" altLang="en-US" dirty="0" smtClean="0"/>
+              <a:t>器的使用（续）</a:t>
+            </a:r>
+            <a:endParaRPr lang="zh-CN" altLang="en-US" dirty="0"/>
+          </a:p>
+        </p:txBody>
+      </p:sp>
+      <p:sp>
+        <p:nvSpPr>
+          <p:cNvPr id="4" name="文本框 3"/>
+          <p:cNvSpPr txBox="1"/>
+          <p:nvPr/>
+        </p:nvSpPr>
+        <p:spPr>
+          <a:xfrm>
             <a:off x="72571" y="1095829"/>
             <a:ext cx="8157028" cy="3416320"/>
           </a:xfrm>
@@ -10064,7 +10249,7 @@
 </p:sld>
 </file>
 
-<file path=ppt/slides/slide22.xml><?xml version="1.0" encoding="utf-8"?>
+<file path=ppt/slides/slide23.xml><?xml version="1.0" encoding="utf-8"?>
 <p:sld xmlns:a="http://schemas.openxmlformats.org/drawingml/2006/main" xmlns:r="http://schemas.openxmlformats.org/officeDocument/2006/relationships" xmlns:p="http://schemas.openxmlformats.org/presentationml/2006/main">
   <p:cSld>
     <p:spTree>
@@ -10158,7 +10343,7 @@
 </p:sld>
 </file>
 
-<file path=ppt/slides/slide23.xml><?xml version="1.0" encoding="utf-8"?>
+<file path=ppt/slides/slide24.xml><?xml version="1.0" encoding="utf-8"?>
 <p:sld xmlns:a="http://schemas.openxmlformats.org/drawingml/2006/main" xmlns:r="http://schemas.openxmlformats.org/officeDocument/2006/relationships" xmlns:p="http://schemas.openxmlformats.org/presentationml/2006/main">
   <p:cSld>
     <p:spTree>
@@ -10277,6 +10462,96 @@
       </p:grpSpPr>
       <p:sp>
         <p:nvSpPr>
+          <p:cNvPr id="2" name="标题 1"/>
+          <p:cNvSpPr>
+            <a:spLocks noGrp="1"/>
+          </p:cNvSpPr>
+          <p:nvPr>
+            <p:ph type="title"/>
+          </p:nvPr>
+        </p:nvSpPr>
+        <p:spPr/>
+        <p:txBody>
+          <a:bodyPr/>
+          <a:lstStyle/>
+          <a:p>
+            <a:r>
+              <a:rPr lang="zh-CN" altLang="en-US" dirty="0"/>
+              <a:t>应用背景和意义</a:t>
+            </a:r>
+          </a:p>
+        </p:txBody>
+      </p:sp>
+      <p:sp>
+        <p:nvSpPr>
+          <p:cNvPr id="3" name="文本占位符 2"/>
+          <p:cNvSpPr>
+            <a:spLocks noGrp="1"/>
+          </p:cNvSpPr>
+          <p:nvPr>
+            <p:ph type="body" idx="1"/>
+          </p:nvPr>
+        </p:nvSpPr>
+        <p:spPr/>
+        <p:txBody>
+          <a:bodyPr/>
+          <a:lstStyle/>
+          <a:p>
+            <a:endParaRPr lang="zh-CN" altLang="en-US"/>
+          </a:p>
+        </p:txBody>
+      </p:sp>
+    </p:spTree>
+    <p:extLst>
+      <p:ext uri="{BB962C8B-B14F-4D97-AF65-F5344CB8AC3E}">
+        <p14:creationId xmlns:p14="http://schemas.microsoft.com/office/powerpoint/2010/main" val="684455356"/>
+      </p:ext>
+    </p:extLst>
+  </p:cSld>
+  <p:clrMapOvr>
+    <a:masterClrMapping/>
+  </p:clrMapOvr>
+  <mc:AlternateContent xmlns:mc="http://schemas.openxmlformats.org/markup-compatibility/2006" xmlns:p14="http://schemas.microsoft.com/office/powerpoint/2010/main">
+    <mc:Choice Requires="p14">
+      <p:transition spd="med">
+        <p14:gallery dir="l"/>
+      </p:transition>
+    </mc:Choice>
+    <mc:Fallback xmlns="">
+      <p:transition spd="med">
+        <p:fade/>
+      </p:transition>
+    </mc:Fallback>
+  </mc:AlternateContent>
+  <p:timing>
+    <p:tnLst>
+      <p:par>
+        <p:cTn id="1" dur="indefinite" restart="never" nodeType="tmRoot"/>
+      </p:par>
+    </p:tnLst>
+  </p:timing>
+</p:sld>
+</file>
+
+<file path=ppt/slides/slide4.xml><?xml version="1.0" encoding="utf-8"?>
+<p:sld xmlns:a="http://schemas.openxmlformats.org/drawingml/2006/main" xmlns:r="http://schemas.openxmlformats.org/officeDocument/2006/relationships" xmlns:p="http://schemas.openxmlformats.org/presentationml/2006/main">
+  <p:cSld>
+    <p:spTree>
+      <p:nvGrpSpPr>
+        <p:cNvPr id="1" name=""/>
+        <p:cNvGrpSpPr/>
+        <p:nvPr/>
+      </p:nvGrpSpPr>
+      <p:grpSpPr>
+        <a:xfrm>
+          <a:off x="0" y="0"/>
+          <a:ext cx="0" cy="0"/>
+          <a:chOff x="0" y="0"/>
+          <a:chExt cx="0" cy="0"/>
+        </a:xfrm>
+      </p:grpSpPr>
+      <p:sp>
+        <p:nvSpPr>
           <p:cNvPr id="4" name="标题 3"/>
           <p:cNvSpPr>
             <a:spLocks noGrp="1"/>
@@ -10432,7 +10707,7 @@
 </p:sld>
 </file>
 
-<file path=ppt/slides/slide4.xml><?xml version="1.0" encoding="utf-8"?>
+<file path=ppt/slides/slide5.xml><?xml version="1.0" encoding="utf-8"?>
 <p:sld xmlns:a="http://schemas.openxmlformats.org/drawingml/2006/main" xmlns:r="http://schemas.openxmlformats.org/officeDocument/2006/relationships" xmlns:p="http://schemas.openxmlformats.org/presentationml/2006/main">
   <p:cSld>
     <p:spTree>
@@ -10545,7 +10820,7 @@
 </p:sld>
 </file>
 
-<file path=ppt/slides/slide5.xml><?xml version="1.0" encoding="utf-8"?>
+<file path=ppt/slides/slide6.xml><?xml version="1.0" encoding="utf-8"?>
 <p:sld xmlns:a="http://schemas.openxmlformats.org/drawingml/2006/main" xmlns:r="http://schemas.openxmlformats.org/officeDocument/2006/relationships" xmlns:p="http://schemas.openxmlformats.org/presentationml/2006/main">
   <p:cSld>
     <p:spTree>
@@ -10578,7 +10853,7 @@
           <a:lstStyle/>
           <a:p>
             <a:r>
-              <a:rPr lang="zh-CN" altLang="en-US" smtClean="0"/>
+              <a:rPr lang="zh-CN" altLang="en-US" dirty="0" smtClean="0"/>
               <a:t>功能</a:t>
             </a:r>
             <a:endParaRPr lang="zh-CN" altLang="en-US" dirty="0"/>
@@ -10665,7 +10940,7 @@
 </p:sld>
 </file>
 
-<file path=ppt/slides/slide6.xml><?xml version="1.0" encoding="utf-8"?>
+<file path=ppt/slides/slide7.xml><?xml version="1.0" encoding="utf-8"?>
 <p:sld xmlns:a="http://schemas.openxmlformats.org/drawingml/2006/main" xmlns:r="http://schemas.openxmlformats.org/officeDocument/2006/relationships" xmlns:p="http://schemas.openxmlformats.org/presentationml/2006/main">
   <p:cSld>
     <p:spTree>
@@ -10765,7 +11040,7 @@
 </p:sld>
 </file>
 
-<file path=ppt/slides/slide7.xml><?xml version="1.0" encoding="utf-8"?>
+<file path=ppt/slides/slide8.xml><?xml version="1.0" encoding="utf-8"?>
 <p:sld xmlns:a="http://schemas.openxmlformats.org/drawingml/2006/main" xmlns:r="http://schemas.openxmlformats.org/officeDocument/2006/relationships" xmlns:p="http://schemas.openxmlformats.org/presentationml/2006/main">
   <p:cSld>
     <p:spTree>
@@ -11055,7 +11330,7 @@
 </p:sld>
 </file>
 
-<file path=ppt/slides/slide8.xml><?xml version="1.0" encoding="utf-8"?>
+<file path=ppt/slides/slide9.xml><?xml version="1.0" encoding="utf-8"?>
 <p:sld xmlns:a="http://schemas.openxmlformats.org/drawingml/2006/main" xmlns:r="http://schemas.openxmlformats.org/officeDocument/2006/relationships" xmlns:p="http://schemas.openxmlformats.org/presentationml/2006/main">
   <p:cSld>
     <p:spTree>
@@ -11126,7 +11401,7 @@
       </p:pic>
       <p:pic>
         <p:nvPicPr>
-          <p:cNvPr id="5" name="通知详情"/>
+          <p:cNvPr id="5" name="通知详情" hidden="1"/>
           <p:cNvPicPr>
             <a:picLocks noChangeAspect="1"/>
           </p:cNvPicPr>
@@ -11256,106 +11531,6 @@
             </p:seq>
           </p:childTnLst>
         </p:cTn>
-      </p:par>
-    </p:tnLst>
-  </p:timing>
-</p:sld>
-</file>
-
-<file path=ppt/slides/slide9.xml><?xml version="1.0" encoding="utf-8"?>
-<p:sld xmlns:a="http://schemas.openxmlformats.org/drawingml/2006/main" xmlns:r="http://schemas.openxmlformats.org/officeDocument/2006/relationships" xmlns:p="http://schemas.openxmlformats.org/presentationml/2006/main">
-  <p:cSld>
-    <p:spTree>
-      <p:nvGrpSpPr>
-        <p:cNvPr id="1" name=""/>
-        <p:cNvGrpSpPr/>
-        <p:nvPr/>
-      </p:nvGrpSpPr>
-      <p:grpSpPr>
-        <a:xfrm>
-          <a:off x="0" y="0"/>
-          <a:ext cx="0" cy="0"/>
-          <a:chOff x="0" y="0"/>
-          <a:chExt cx="0" cy="0"/>
-        </a:xfrm>
-      </p:grpSpPr>
-      <p:sp>
-        <p:nvSpPr>
-          <p:cNvPr id="2" name="标题 1"/>
-          <p:cNvSpPr>
-            <a:spLocks noGrp="1"/>
-          </p:cNvSpPr>
-          <p:nvPr>
-            <p:ph type="title"/>
-          </p:nvPr>
-        </p:nvSpPr>
-        <p:spPr/>
-        <p:txBody>
-          <a:bodyPr/>
-          <a:lstStyle/>
-          <a:p>
-            <a:r>
-              <a:rPr lang="zh-CN" altLang="en-US" dirty="0"/>
-              <a:t>软件设置</a:t>
-            </a:r>
-          </a:p>
-        </p:txBody>
-      </p:sp>
-      <p:pic>
-        <p:nvPicPr>
-          <p:cNvPr id="4" name="设置"/>
-          <p:cNvPicPr>
-            <a:picLocks noGrp="1" noChangeAspect="1"/>
-          </p:cNvPicPr>
-          <p:nvPr>
-            <p:ph idx="1"/>
-          </p:nvPr>
-        </p:nvPicPr>
-        <p:blipFill>
-          <a:blip r:embed="rId2">
-            <a:extLst>
-              <a:ext uri="{28A0092B-C50C-407E-A947-70E740481C1C}">
-                <a14:useLocalDpi xmlns:a14="http://schemas.microsoft.com/office/drawing/2010/main" val="0"/>
-              </a:ext>
-            </a:extLst>
-          </a:blip>
-          <a:stretch>
-            <a:fillRect/>
-          </a:stretch>
-        </p:blipFill>
-        <p:spPr>
-          <a:xfrm>
-            <a:off x="2160000" y="1296001"/>
-            <a:ext cx="3060000" cy="5444250"/>
-          </a:xfrm>
-        </p:spPr>
-      </p:pic>
-    </p:spTree>
-    <p:extLst>
-      <p:ext uri="{BB962C8B-B14F-4D97-AF65-F5344CB8AC3E}">
-        <p14:creationId xmlns:p14="http://schemas.microsoft.com/office/powerpoint/2010/main" val="1211409849"/>
-      </p:ext>
-    </p:extLst>
-  </p:cSld>
-  <p:clrMapOvr>
-    <a:masterClrMapping/>
-  </p:clrMapOvr>
-  <mc:AlternateContent xmlns:mc="http://schemas.openxmlformats.org/markup-compatibility/2006" xmlns:p15="http://schemas.microsoft.com/office/powerpoint/2012/main">
-    <mc:Choice Requires="p15">
-      <p:transition xmlns:p14="http://schemas.microsoft.com/office/powerpoint/2010/main" p14:dur="250">
-        <p15:prstTrans prst="peelOff"/>
-      </p:transition>
-    </mc:Choice>
-    <mc:Fallback xmlns="">
-      <p:transition>
-        <p:fade/>
-      </p:transition>
-    </mc:Fallback>
-  </mc:AlternateContent>
-  <p:timing>
-    <p:tnLst>
-      <p:par>
-        <p:cTn id="1" dur="indefinite" restart="never" nodeType="tmRoot"/>
       </p:par>
     </p:tnLst>
   </p:timing>

--- a/附件/attachment5/演示文稿.pptx
+++ b/附件/attachment5/演示文稿.pptx
@@ -8901,8 +8901,8 @@
         </p:nvSpPr>
         <p:spPr>
           <a:xfrm>
-            <a:off x="72570" y="1066799"/>
-            <a:ext cx="8534401" cy="5909310"/>
+            <a:off x="72570" y="1195135"/>
+            <a:ext cx="8686419" cy="5747727"/>
           </a:xfrm>
           <a:prstGeom prst="rect">
             <a:avLst/>
@@ -8971,7 +8971,15 @@
             </a:r>
             <a:r>
               <a:rPr lang="en-US" altLang="zh-CN" sz="1050" dirty="0"/>
-              <a:t>=2, </a:t>
+              <a:t>=</a:t>
+            </a:r>
+            <a:r>
+              <a:rPr lang="zh-CN" altLang="en-US" sz="1050" dirty="0"/>
+              <a:t>主校区</a:t>
+            </a:r>
+            <a:r>
+              <a:rPr lang="en-US" altLang="zh-CN" sz="1050" dirty="0"/>
+              <a:t>, </a:t>
             </a:r>
             <a:r>
               <a:rPr lang="zh-CN" altLang="en-US" sz="1050" dirty="0"/>
@@ -9011,7 +9019,15 @@
             </a:r>
             <a:r>
               <a:rPr lang="en-US" altLang="zh-CN" sz="1050" dirty="0"/>
-              <a:t>=01, </a:t>
+              <a:t>=</a:t>
+            </a:r>
+            <a:r>
+              <a:rPr lang="zh-CN" altLang="en-US" sz="1050" dirty="0"/>
+              <a:t>父亲</a:t>
+            </a:r>
+            <a:r>
+              <a:rPr lang="en-US" altLang="zh-CN" sz="1050" dirty="0"/>
+              <a:t>, </a:t>
             </a:r>
             <a:r>
               <a:rPr lang="zh-CN" altLang="en-US" sz="1050" dirty="0"/>
@@ -9059,7 +9075,15 @@
             </a:r>
             <a:r>
               <a:rPr lang="en-US" altLang="zh-CN" sz="1050" dirty="0"/>
-              <a:t>=23, </a:t>
+              <a:t>=</a:t>
+            </a:r>
+            <a:r>
+              <a:rPr lang="zh-CN" altLang="en-US" sz="1050" dirty="0"/>
+              <a:t>汉族</a:t>
+            </a:r>
+            <a:r>
+              <a:rPr lang="en-US" altLang="zh-CN" sz="1050" dirty="0"/>
+              <a:t>, </a:t>
             </a:r>
             <a:r>
               <a:rPr lang="zh-CN" altLang="en-US" sz="1050" dirty="0"/>
@@ -9083,7 +9107,15 @@
             </a:r>
             <a:r>
               <a:rPr lang="en-US" altLang="zh-CN" sz="1050" dirty="0"/>
-              <a:t>=3, </a:t>
+              <a:t>=</a:t>
+            </a:r>
+            <a:r>
+              <a:rPr lang="zh-CN" altLang="en-US" sz="1050" dirty="0"/>
+              <a:t>共青团员</a:t>
+            </a:r>
+            <a:r>
+              <a:rPr lang="en-US" altLang="zh-CN" sz="1050" dirty="0"/>
+              <a:t>, </a:t>
             </a:r>
             <a:r>
               <a:rPr lang="zh-CN" altLang="en-US" sz="1050" dirty="0"/>
@@ -9099,7 +9131,15 @@
             </a:r>
             <a:r>
               <a:rPr lang="en-US" altLang="zh-CN" sz="1050" dirty="0"/>
-              <a:t>=1, </a:t>
+              <a:t>=</a:t>
+            </a:r>
+            <a:r>
+              <a:rPr lang="zh-CN" altLang="en-US" sz="1050" dirty="0"/>
+              <a:t>身份证</a:t>
+            </a:r>
+            <a:r>
+              <a:rPr lang="en-US" altLang="zh-CN" sz="1050" dirty="0"/>
+              <a:t>, </a:t>
             </a:r>
             <a:r>
               <a:rPr lang="zh-CN" altLang="en-US" sz="1050" dirty="0"/>
@@ -9123,7 +9163,15 @@
             </a:r>
             <a:r>
               <a:rPr lang="en-US" altLang="zh-CN" sz="1050" dirty="0"/>
-              <a:t>=130400, </a:t>
+              <a:t>=</a:t>
+            </a:r>
+            <a:r>
+              <a:rPr lang="zh-CN" altLang="en-US" sz="1050" dirty="0"/>
+              <a:t>河北省 邯郸市</a:t>
+            </a:r>
+            <a:r>
+              <a:rPr lang="en-US" altLang="zh-CN" sz="1050" dirty="0"/>
+              <a:t>, </a:t>
             </a:r>
             <a:r>
               <a:rPr lang="zh-CN" altLang="en-US" sz="1050" dirty="0"/>
@@ -9131,7 +9179,15 @@
             </a:r>
             <a:r>
               <a:rPr lang="en-US" altLang="zh-CN" sz="1050" dirty="0"/>
-              <a:t>=01, </a:t>
+              <a:t>=</a:t>
+            </a:r>
+            <a:r>
+              <a:rPr lang="zh-CN" altLang="en-US" sz="1050" dirty="0"/>
+              <a:t>中国</a:t>
+            </a:r>
+            <a:r>
+              <a:rPr lang="en-US" altLang="zh-CN" sz="1050" dirty="0"/>
+              <a:t>, </a:t>
             </a:r>
             <a:r>
               <a:rPr lang="zh-CN" altLang="en-US" sz="1050" dirty="0"/>
@@ -9139,7 +9195,15 @@
             </a:r>
             <a:r>
               <a:rPr lang="en-US" altLang="zh-CN" sz="1050" dirty="0"/>
-              <a:t>=1}, </a:t>
+              <a:t>=</a:t>
+            </a:r>
+            <a:r>
+              <a:rPr lang="zh-CN" altLang="en-US" sz="1050" dirty="0"/>
+              <a:t>男</a:t>
+            </a:r>
+            <a:r>
+              <a:rPr lang="en-US" altLang="zh-CN" sz="1050" dirty="0"/>
+              <a:t>}, </a:t>
             </a:r>
             <a:r>
               <a:rPr lang="zh-CN" altLang="en-US" sz="1050" dirty="0"/>
@@ -9155,7 +9219,31 @@
             </a:r>
             <a:r>
               <a:rPr lang="en-US" altLang="zh-CN" sz="1050" dirty="0"/>
-              <a:t>=0607201006, </a:t>
+              <a:t>=10</a:t>
+            </a:r>
+            <a:r>
+              <a:rPr lang="zh-CN" altLang="en-US" sz="1050" dirty="0"/>
+              <a:t>计算机</a:t>
+            </a:r>
+            <a:r>
+              <a:rPr lang="en-US" altLang="zh-CN" sz="1050" dirty="0"/>
+              <a:t>(</a:t>
+            </a:r>
+            <a:r>
+              <a:rPr lang="zh-CN" altLang="en-US" sz="1050" dirty="0"/>
+              <a:t>合作</a:t>
+            </a:r>
+            <a:r>
+              <a:rPr lang="en-US" altLang="zh-CN" sz="1050" dirty="0"/>
+              <a:t>)-6</a:t>
+            </a:r>
+            <a:r>
+              <a:rPr lang="zh-CN" altLang="en-US" sz="1050" dirty="0"/>
+              <a:t>班</a:t>
+            </a:r>
+            <a:r>
+              <a:rPr lang="en-US" altLang="zh-CN" sz="1050" dirty="0"/>
+              <a:t>, </a:t>
             </a:r>
             <a:r>
               <a:rPr lang="zh-CN" altLang="en-US" sz="1050" dirty="0"/>
@@ -9163,7 +9251,15 @@
             </a:r>
             <a:r>
               <a:rPr lang="en-US" altLang="zh-CN" sz="1050" dirty="0"/>
-              <a:t>=1, </a:t>
+              <a:t>=</a:t>
+            </a:r>
+            <a:r>
+              <a:rPr lang="zh-CN" altLang="en-US" sz="1050" dirty="0"/>
+              <a:t>是</a:t>
+            </a:r>
+            <a:r>
+              <a:rPr lang="en-US" altLang="zh-CN" sz="1050" dirty="0"/>
+              <a:t>, </a:t>
             </a:r>
             <a:r>
               <a:rPr lang="zh-CN" altLang="en-US" sz="1050" dirty="0"/>
@@ -9179,7 +9275,15 @@
             </a:r>
             <a:r>
               <a:rPr lang="en-US" altLang="zh-CN" sz="1050" dirty="0"/>
-              <a:t>=1, </a:t>
+              <a:t>=</a:t>
+            </a:r>
+            <a:r>
+              <a:rPr lang="zh-CN" altLang="en-US" sz="1050" dirty="0"/>
+              <a:t>普通</a:t>
+            </a:r>
+            <a:r>
+              <a:rPr lang="en-US" altLang="zh-CN" sz="1050" dirty="0"/>
+              <a:t>, </a:t>
             </a:r>
             <a:r>
               <a:rPr lang="zh-CN" altLang="en-US" sz="1050" dirty="0"/>
@@ -9187,7 +9291,15 @@
             </a:r>
             <a:r>
               <a:rPr lang="en-US" altLang="zh-CN" sz="1050" dirty="0"/>
-              <a:t>=1, </a:t>
+              <a:t>=</a:t>
+            </a:r>
+            <a:r>
+              <a:rPr lang="zh-CN" altLang="en-US" sz="1050" dirty="0"/>
+              <a:t>是</a:t>
+            </a:r>
+            <a:r>
+              <a:rPr lang="en-US" altLang="zh-CN" sz="1050" dirty="0"/>
+              <a:t>, </a:t>
             </a:r>
             <a:r>
               <a:rPr lang="zh-CN" altLang="en-US" sz="1050" dirty="0"/>
@@ -9195,7 +9307,15 @@
             </a:r>
             <a:r>
               <a:rPr lang="en-US" altLang="zh-CN" sz="1050" dirty="0"/>
-              <a:t>=06, </a:t>
+              <a:t>=</a:t>
+            </a:r>
+            <a:r>
+              <a:rPr lang="zh-CN" altLang="en-US" sz="1050" dirty="0"/>
+              <a:t>计算机与通信工程学院</a:t>
+            </a:r>
+            <a:r>
+              <a:rPr lang="en-US" altLang="zh-CN" sz="1050" dirty="0"/>
+              <a:t>, </a:t>
             </a:r>
             <a:r>
               <a:rPr lang="zh-CN" altLang="en-US" sz="1050" dirty="0"/>
@@ -9211,7 +9331,15 @@
             </a:r>
             <a:r>
               <a:rPr lang="en-US" altLang="zh-CN" sz="1050" dirty="0"/>
-              <a:t>=0607, </a:t>
+              <a:t>=</a:t>
+            </a:r>
+            <a:r>
+              <a:rPr lang="zh-CN" altLang="en-US" sz="1050" dirty="0"/>
+              <a:t>计算机科学与技术（中加）</a:t>
+            </a:r>
+            <a:r>
+              <a:rPr lang="en-US" altLang="zh-CN" sz="1050" dirty="0"/>
+              <a:t>, </a:t>
             </a:r>
             <a:r>
               <a:rPr lang="zh-CN" altLang="en-US" sz="1050" dirty="0"/>
@@ -9219,7 +9347,15 @@
             </a:r>
             <a:r>
               <a:rPr lang="en-US" altLang="zh-CN" sz="1050" dirty="0"/>
-              <a:t>=1}, </a:t>
+              <a:t>=</a:t>
+            </a:r>
+            <a:r>
+              <a:rPr lang="zh-CN" altLang="en-US" sz="1050" dirty="0"/>
+              <a:t>已注册</a:t>
+            </a:r>
+            <a:r>
+              <a:rPr lang="en-US" altLang="zh-CN" sz="1050" dirty="0"/>
+              <a:t>}, </a:t>
             </a:r>
             <a:r>
               <a:rPr lang="zh-CN" altLang="en-US" sz="1050" dirty="0"/>
@@ -9235,7 +9371,15 @@
             </a:r>
             <a:r>
               <a:rPr lang="en-US" altLang="zh-CN" sz="1050" dirty="0"/>
-              <a:t>=01, </a:t>
+              <a:t>=</a:t>
+            </a:r>
+            <a:r>
+              <a:rPr lang="zh-CN" altLang="en-US" sz="1050" dirty="0"/>
+              <a:t>秋季招生</a:t>
+            </a:r>
+            <a:r>
+              <a:rPr lang="en-US" altLang="zh-CN" sz="1050" dirty="0"/>
+              <a:t>, </a:t>
             </a:r>
             <a:r>
               <a:rPr lang="zh-CN" altLang="en-US" sz="1050" dirty="0"/>
@@ -9267,7 +9411,15 @@
             </a:r>
             <a:r>
               <a:rPr lang="en-US" altLang="zh-CN" sz="1050" dirty="0"/>
-              <a:t>=01, </a:t>
+              <a:t>=</a:t>
+            </a:r>
+            <a:r>
+              <a:rPr lang="zh-CN" altLang="en-US" sz="1050" dirty="0"/>
+              <a:t>全日制</a:t>
+            </a:r>
+            <a:r>
+              <a:rPr lang="en-US" altLang="zh-CN" sz="1050" dirty="0"/>
+              <a:t>, </a:t>
             </a:r>
             <a:r>
               <a:rPr lang="zh-CN" altLang="en-US" sz="1050" dirty="0"/>
@@ -9275,7 +9427,15 @@
             </a:r>
             <a:r>
               <a:rPr lang="en-US" altLang="zh-CN" sz="1050" dirty="0"/>
-              <a:t>=130100, </a:t>
+              <a:t>=</a:t>
+            </a:r>
+            <a:r>
+              <a:rPr lang="zh-CN" altLang="en-US" sz="1050" dirty="0"/>
+              <a:t>河北省 石家庄市 桥东区</a:t>
+            </a:r>
+            <a:r>
+              <a:rPr lang="en-US" altLang="zh-CN" sz="1050" dirty="0"/>
+              <a:t>, </a:t>
             </a:r>
             <a:r>
               <a:rPr lang="zh-CN" altLang="en-US" sz="1050" dirty="0"/>
@@ -9283,7 +9443,15 @@
             </a:r>
             <a:r>
               <a:rPr lang="en-US" altLang="zh-CN" sz="1050" dirty="0"/>
-              <a:t>=01, </a:t>
+              <a:t>=</a:t>
+            </a:r>
+            <a:r>
+              <a:rPr lang="zh-CN" altLang="en-US" sz="1050" dirty="0"/>
+              <a:t>本科</a:t>
+            </a:r>
+            <a:r>
+              <a:rPr lang="en-US" altLang="zh-CN" sz="1050" dirty="0"/>
+              <a:t>, </a:t>
             </a:r>
             <a:r>
               <a:rPr lang="zh-CN" altLang="en-US" sz="1050" dirty="0"/>
@@ -9291,7 +9459,15 @@
             </a:r>
             <a:r>
               <a:rPr lang="en-US" altLang="zh-CN" sz="1050" dirty="0"/>
-              <a:t>=01}}</a:t>
+              <a:t>=</a:t>
+            </a:r>
+            <a:r>
+              <a:rPr lang="zh-CN" altLang="en-US" sz="1050" dirty="0"/>
+              <a:t>中文</a:t>
+            </a:r>
+            <a:r>
+              <a:rPr lang="en-US" altLang="zh-CN" sz="1050" dirty="0"/>
+              <a:t>}}</a:t>
             </a:r>
           </a:p>
           <a:p>
@@ -9311,7 +9487,485 @@
           <a:p>
             <a:r>
               <a:rPr lang="en-US" altLang="zh-CN" sz="1050" dirty="0"/>
-              <a:t>[0686046	</a:t>
+              <a:t>[0666136	</a:t>
+            </a:r>
+            <a:r>
+              <a:rPr lang="zh-CN" altLang="en-US" sz="1050" dirty="0"/>
+              <a:t>计算机结构	</a:t>
+            </a:r>
+            <a:r>
+              <a:rPr lang="en-US" altLang="zh-CN" sz="1050" dirty="0"/>
+              <a:t>null	null	3	null	null	2012	1	null	null</a:t>
+            </a:r>
+          </a:p>
+          <a:p>
+            <a:r>
+              <a:rPr lang="en-US" altLang="zh-CN" sz="1050" dirty="0"/>
+              <a:t>null, 0666166	</a:t>
+            </a:r>
+            <a:r>
+              <a:rPr lang="zh-CN" altLang="en-US" sz="1050" dirty="0"/>
+              <a:t>面向对象的程序设计	</a:t>
+            </a:r>
+            <a:r>
+              <a:rPr lang="en-US" altLang="zh-CN" sz="1050" dirty="0"/>
+              <a:t>null	null	3	null	null	2012	1	null	null</a:t>
+            </a:r>
+          </a:p>
+          <a:p>
+            <a:r>
+              <a:rPr lang="en-US" altLang="zh-CN" sz="1050" dirty="0"/>
+              <a:t>null, 0666196	</a:t>
+            </a:r>
+            <a:r>
+              <a:rPr lang="zh-CN" altLang="en-US" sz="1050" dirty="0"/>
+              <a:t>运筹学	</a:t>
+            </a:r>
+            <a:r>
+              <a:rPr lang="en-US" altLang="zh-CN" sz="1050" dirty="0"/>
+              <a:t>null	null	3	null	null	2012	1	null	null</a:t>
+            </a:r>
+          </a:p>
+          <a:p>
+            <a:r>
+              <a:rPr lang="en-US" altLang="zh-CN" sz="1050" dirty="0"/>
+              <a:t>null, 0666206	</a:t>
+            </a:r>
+            <a:r>
+              <a:rPr lang="zh-CN" altLang="en-US" sz="1050" dirty="0"/>
+              <a:t>网络体系结构与程序设计	</a:t>
+            </a:r>
+            <a:r>
+              <a:rPr lang="en-US" altLang="zh-CN" sz="1050" dirty="0"/>
+              <a:t>null	null	3	null	null	2012	1	null	null</a:t>
+            </a:r>
+          </a:p>
+          <a:p>
+            <a:r>
+              <a:rPr lang="en-US" altLang="zh-CN" sz="1050" dirty="0"/>
+              <a:t>null, 0666226	</a:t>
+            </a:r>
+            <a:r>
+              <a:rPr lang="zh-CN" altLang="en-US" sz="1050" dirty="0"/>
+              <a:t>数据库与功能分析	</a:t>
+            </a:r>
+            <a:r>
+              <a:rPr lang="en-US" altLang="zh-CN" sz="1050" dirty="0"/>
+              <a:t>null	null	3	null	null	2012	1	null	null</a:t>
+            </a:r>
+          </a:p>
+          <a:p>
+            <a:r>
+              <a:rPr lang="en-US" altLang="zh-CN" sz="1050" dirty="0"/>
+              <a:t>null, 0666336	</a:t>
+            </a:r>
+            <a:r>
+              <a:rPr lang="zh-CN" altLang="en-US" sz="1050" dirty="0"/>
+              <a:t>多媒体：概念与方法	</a:t>
+            </a:r>
+            <a:r>
+              <a:rPr lang="en-US" altLang="zh-CN" sz="1050" dirty="0"/>
+              <a:t>null	null	3	null	null	2012	1	null	null</a:t>
+            </a:r>
+          </a:p>
+          <a:p>
+            <a:r>
+              <a:rPr lang="en-US" altLang="zh-CN" sz="1050" dirty="0"/>
+              <a:t>null, 0668036	</a:t>
+            </a:r>
+            <a:r>
+              <a:rPr lang="zh-CN" altLang="en-US" sz="1050" dirty="0"/>
+              <a:t>操作系统	</a:t>
+            </a:r>
+            <a:r>
+              <a:rPr lang="en-US" altLang="zh-CN" sz="1050" dirty="0"/>
+              <a:t>null	null	4	null	null	2012	1	null	null</a:t>
+            </a:r>
+          </a:p>
+          <a:p>
+            <a:r>
+              <a:rPr lang="en-US" altLang="zh-CN" sz="1050" dirty="0"/>
+              <a:t>null, 1190076	</a:t>
+            </a:r>
+            <a:r>
+              <a:rPr lang="zh-CN" altLang="en-US" sz="1050" dirty="0"/>
+              <a:t>毛泽东思想和中国特色社会主义理论体系概论	</a:t>
+            </a:r>
+            <a:r>
+              <a:rPr lang="en-US" altLang="zh-CN" sz="1050" dirty="0"/>
+              <a:t>null	null	6	null	null	2012	1	null	null</a:t>
+            </a:r>
+          </a:p>
+          <a:p>
+            <a:r>
+              <a:rPr lang="en-US" altLang="zh-CN" sz="1050" dirty="0"/>
+              <a:t>null, 0662016	</a:t>
+            </a:r>
+            <a:r>
+              <a:rPr lang="zh-CN" altLang="en-US" sz="1050" dirty="0"/>
+              <a:t>计算机网络	</a:t>
+            </a:r>
+            <a:r>
+              <a:rPr lang="en-US" altLang="zh-CN" sz="1050" dirty="0"/>
+              <a:t>null	null	3	null	null	2012	2	null	null</a:t>
+            </a:r>
+          </a:p>
+          <a:p>
+            <a:r>
+              <a:rPr lang="en-US" altLang="zh-CN" sz="1050" dirty="0"/>
+              <a:t>null, 0666026	</a:t>
+            </a:r>
+            <a:r>
+              <a:rPr lang="zh-CN" altLang="en-US" sz="1050" dirty="0"/>
+              <a:t>会计学基础概念	</a:t>
+            </a:r>
+            <a:r>
+              <a:rPr lang="en-US" altLang="zh-CN" sz="1050" dirty="0"/>
+              <a:t>null	null	3	null	null	2012	2	null	null</a:t>
+            </a:r>
+          </a:p>
+          <a:p>
+            <a:r>
+              <a:rPr lang="en-US" altLang="zh-CN" sz="1050" dirty="0"/>
+              <a:t>null, 0666076	</a:t>
+            </a:r>
+            <a:r>
+              <a:rPr lang="zh-CN" altLang="en-US" sz="1050" dirty="0"/>
+              <a:t>软件工程：软件构件与软件重用	</a:t>
+            </a:r>
+            <a:r>
+              <a:rPr lang="en-US" altLang="zh-CN" sz="1050" dirty="0"/>
+              <a:t>null	null	3	null	null	2012	2	null	null</a:t>
+            </a:r>
+          </a:p>
+          <a:p>
+            <a:r>
+              <a:rPr lang="en-US" altLang="zh-CN" sz="1050" dirty="0"/>
+              <a:t>null, 0666096	</a:t>
+            </a:r>
+            <a:r>
+              <a:rPr lang="zh-CN" altLang="en-US" sz="1050" dirty="0"/>
+              <a:t>信息和电子商务技术	</a:t>
+            </a:r>
+            <a:r>
+              <a:rPr lang="en-US" altLang="zh-CN" sz="1050" dirty="0"/>
+              <a:t>null	null	3	null	null	2012	2	null	null</a:t>
+            </a:r>
+          </a:p>
+          <a:p>
+            <a:r>
+              <a:rPr lang="en-US" altLang="zh-CN" sz="1050" dirty="0"/>
+              <a:t>null, 0666146	</a:t>
+            </a:r>
+            <a:r>
+              <a:rPr lang="zh-CN" altLang="en-US" sz="1050" dirty="0"/>
+              <a:t>对象设计与建模	</a:t>
+            </a:r>
+            <a:r>
+              <a:rPr lang="en-US" altLang="zh-CN" sz="1050" dirty="0"/>
+              <a:t>null	null	3	null	null	2012	2	null	null</a:t>
+            </a:r>
+          </a:p>
+          <a:p>
+            <a:r>
+              <a:rPr lang="en-US" altLang="zh-CN" sz="1050" dirty="0"/>
+              <a:t>null, 0666236	</a:t>
+            </a:r>
+            <a:r>
+              <a:rPr lang="zh-CN" altLang="en-US" sz="1050" dirty="0"/>
+              <a:t>高级数据库	</a:t>
+            </a:r>
+            <a:r>
+              <a:rPr lang="en-US" altLang="zh-CN" sz="1050" dirty="0"/>
+              <a:t>null	null	3	null	null	2012	2	null	null</a:t>
+            </a:r>
+          </a:p>
+          <a:p>
+            <a:r>
+              <a:rPr lang="en-US" altLang="zh-CN" sz="1050" dirty="0"/>
+              <a:t>null, 0686016	</a:t>
+            </a:r>
+            <a:r>
+              <a:rPr lang="zh-CN" altLang="en-US" sz="1050" dirty="0"/>
+              <a:t>企划与项目开发	</a:t>
+            </a:r>
+            <a:r>
+              <a:rPr lang="en-US" altLang="zh-CN" sz="1050" dirty="0"/>
+              <a:t>null	null	3	null	null	2012	2	null	null</a:t>
+            </a:r>
+          </a:p>
+          <a:p>
+            <a:r>
+              <a:rPr lang="en-US" altLang="zh-CN" sz="1050" dirty="0"/>
+              <a:t>null, 0666036	</a:t>
+            </a:r>
+            <a:r>
+              <a:rPr lang="zh-CN" altLang="en-US" sz="1050" dirty="0"/>
+              <a:t>财务管理	</a:t>
+            </a:r>
+            <a:r>
+              <a:rPr lang="en-US" altLang="zh-CN" sz="1050" dirty="0"/>
+              <a:t>null	</a:t>
+            </a:r>
+            <a:r>
+              <a:rPr lang="zh-CN" altLang="en-US" sz="1050" dirty="0"/>
+              <a:t>郭力杰	</a:t>
+            </a:r>
+            <a:r>
+              <a:rPr lang="en-US" altLang="zh-CN" sz="1050" dirty="0"/>
+              <a:t>3	null	null	2013	1	null	null</a:t>
+            </a:r>
+          </a:p>
+          <a:p>
+            <a:r>
+              <a:rPr lang="en-US" altLang="zh-CN" sz="1050" dirty="0"/>
+              <a:t>1-5,8-14 </a:t>
+            </a:r>
+            <a:r>
+              <a:rPr lang="zh-CN" altLang="en-US" sz="1050" dirty="0"/>
+              <a:t>周 星期三 </a:t>
+            </a:r>
+            <a:r>
+              <a:rPr lang="en-US" altLang="zh-CN" sz="1050" dirty="0"/>
+              <a:t>3-4 </a:t>
+            </a:r>
+            <a:r>
+              <a:rPr lang="zh-CN" altLang="en-US" sz="1050" dirty="0"/>
+              <a:t>节 北楼</a:t>
+            </a:r>
+            <a:r>
+              <a:rPr lang="en-US" altLang="zh-CN" sz="1050" dirty="0"/>
+              <a:t>3 3-0201</a:t>
+            </a:r>
+          </a:p>
+          <a:p>
+            <a:r>
+              <a:rPr lang="en-US" altLang="zh-CN" sz="1050" dirty="0"/>
+              <a:t>1-5,8-14 </a:t>
+            </a:r>
+            <a:r>
+              <a:rPr lang="zh-CN" altLang="en-US" sz="1050" dirty="0"/>
+              <a:t>周 星期一 </a:t>
+            </a:r>
+            <a:r>
+              <a:rPr lang="en-US" altLang="zh-CN" sz="1050" dirty="0"/>
+              <a:t>7-8 </a:t>
+            </a:r>
+            <a:r>
+              <a:rPr lang="zh-CN" altLang="en-US" sz="1050" dirty="0"/>
+              <a:t>节 北楼</a:t>
+            </a:r>
+            <a:r>
+              <a:rPr lang="en-US" altLang="zh-CN" sz="1050" dirty="0"/>
+              <a:t>3 3-0201, 0666106	</a:t>
+            </a:r>
+            <a:r>
+              <a:rPr lang="zh-CN" altLang="en-US" sz="1050" dirty="0"/>
+              <a:t>计算机项目管理	</a:t>
+            </a:r>
+            <a:r>
+              <a:rPr lang="en-US" altLang="zh-CN" sz="1050" dirty="0"/>
+              <a:t>null	</a:t>
+            </a:r>
+            <a:r>
+              <a:rPr lang="zh-CN" altLang="en-US" sz="1050" dirty="0"/>
+              <a:t>夏承遗	</a:t>
+            </a:r>
+            <a:r>
+              <a:rPr lang="en-US" altLang="zh-CN" sz="1050" dirty="0"/>
+              <a:t>3	null	null	2013	1	null	null</a:t>
+            </a:r>
+          </a:p>
+          <a:p>
+            <a:r>
+              <a:rPr lang="en-US" altLang="zh-CN" sz="1050" dirty="0"/>
+              <a:t>1-5,8-14 </a:t>
+            </a:r>
+            <a:r>
+              <a:rPr lang="zh-CN" altLang="en-US" sz="1050" dirty="0"/>
+              <a:t>周 星期五 </a:t>
+            </a:r>
+            <a:r>
+              <a:rPr lang="en-US" altLang="zh-CN" sz="1050" dirty="0"/>
+              <a:t>3-4 </a:t>
+            </a:r>
+            <a:r>
+              <a:rPr lang="zh-CN" altLang="en-US" sz="1050" dirty="0"/>
+              <a:t>节 北楼</a:t>
+            </a:r>
+            <a:r>
+              <a:rPr lang="en-US" altLang="zh-CN" sz="1050" dirty="0"/>
+              <a:t>1 1-0202</a:t>
+            </a:r>
+          </a:p>
+          <a:p>
+            <a:r>
+              <a:rPr lang="en-US" altLang="zh-CN" sz="1050" dirty="0"/>
+              <a:t>1,3,5,9,11 </a:t>
+            </a:r>
+            <a:r>
+              <a:rPr lang="zh-CN" altLang="en-US" sz="1050" dirty="0"/>
+              <a:t>周 星期二 </a:t>
+            </a:r>
+            <a:r>
+              <a:rPr lang="en-US" altLang="zh-CN" sz="1050" dirty="0"/>
+              <a:t>7-8 </a:t>
+            </a:r>
+            <a:r>
+              <a:rPr lang="zh-CN" altLang="en-US" sz="1050" dirty="0"/>
+              <a:t>节 北楼</a:t>
+            </a:r>
+            <a:r>
+              <a:rPr lang="en-US" altLang="zh-CN" sz="1050" dirty="0"/>
+              <a:t>1 1-0202, 0666176	</a:t>
+            </a:r>
+            <a:r>
+              <a:rPr lang="zh-CN" altLang="en-US" sz="1050" dirty="0"/>
+              <a:t>工业计算机系统	</a:t>
+            </a:r>
+            <a:r>
+              <a:rPr lang="en-US" altLang="zh-CN" sz="1050" dirty="0"/>
+              <a:t>null	</a:t>
+            </a:r>
+            <a:r>
+              <a:rPr lang="zh-CN" altLang="en-US" sz="1050" dirty="0"/>
+              <a:t>杨鹏	</a:t>
+            </a:r>
+            <a:r>
+              <a:rPr lang="en-US" altLang="zh-CN" sz="1050" dirty="0"/>
+              <a:t>3	null	null	2013	1	null	null</a:t>
+            </a:r>
+          </a:p>
+          <a:p>
+            <a:r>
+              <a:rPr lang="en-US" altLang="zh-CN" sz="1050" dirty="0"/>
+              <a:t>null, 0666266	</a:t>
+            </a:r>
+            <a:r>
+              <a:rPr lang="zh-CN" altLang="en-US" sz="1050" dirty="0"/>
+              <a:t>分布式计算机系统	</a:t>
+            </a:r>
+            <a:r>
+              <a:rPr lang="en-US" altLang="zh-CN" sz="1050" dirty="0"/>
+              <a:t>null	</a:t>
+            </a:r>
+            <a:r>
+              <a:rPr lang="zh-CN" altLang="en-US" sz="1050" dirty="0"/>
+              <a:t>蔡靖	</a:t>
+            </a:r>
+            <a:r>
+              <a:rPr lang="en-US" altLang="zh-CN" sz="1050" dirty="0"/>
+              <a:t>3	null	null	2013	1	null	null</a:t>
+            </a:r>
+          </a:p>
+          <a:p>
+            <a:r>
+              <a:rPr lang="en-US" altLang="zh-CN" sz="1050" dirty="0"/>
+              <a:t>null, 0666276	</a:t>
+            </a:r>
+            <a:r>
+              <a:rPr lang="zh-CN" altLang="en-US" sz="1050" dirty="0"/>
+              <a:t>微机硬件组成原理	</a:t>
+            </a:r>
+            <a:r>
+              <a:rPr lang="en-US" altLang="zh-CN" sz="1050" dirty="0"/>
+              <a:t>null	</a:t>
+            </a:r>
+            <a:r>
+              <a:rPr lang="zh-CN" altLang="en-US" sz="1050" dirty="0"/>
+              <a:t>韩盛磊	</a:t>
+            </a:r>
+            <a:r>
+              <a:rPr lang="en-US" altLang="zh-CN" sz="1050" dirty="0"/>
+              <a:t>3	null	null	2013	1	null	null</a:t>
+            </a:r>
+          </a:p>
+          <a:p>
+            <a:r>
+              <a:rPr lang="en-US" altLang="zh-CN" sz="1050" dirty="0"/>
+              <a:t>1-5,8-14 </a:t>
+            </a:r>
+            <a:r>
+              <a:rPr lang="zh-CN" altLang="en-US" sz="1050" dirty="0"/>
+              <a:t>周 星期五 </a:t>
+            </a:r>
+            <a:r>
+              <a:rPr lang="en-US" altLang="zh-CN" sz="1050" dirty="0"/>
+              <a:t>1-2 </a:t>
+            </a:r>
+            <a:r>
+              <a:rPr lang="zh-CN" altLang="en-US" sz="1050" dirty="0"/>
+              <a:t>节 北楼</a:t>
+            </a:r>
+            <a:r>
+              <a:rPr lang="en-US" altLang="zh-CN" sz="1050" dirty="0"/>
+              <a:t>1 1-0202</a:t>
+            </a:r>
+          </a:p>
+          <a:p>
+            <a:r>
+              <a:rPr lang="en-US" altLang="zh-CN" sz="1050" dirty="0"/>
+              <a:t>1-5,8-15 </a:t>
+            </a:r>
+            <a:r>
+              <a:rPr lang="zh-CN" altLang="en-US" sz="1050" dirty="0"/>
+              <a:t>周 星期二 </a:t>
+            </a:r>
+            <a:r>
+              <a:rPr lang="en-US" altLang="zh-CN" sz="1050" dirty="0"/>
+              <a:t>1-2 </a:t>
+            </a:r>
+            <a:r>
+              <a:rPr lang="zh-CN" altLang="en-US" sz="1050" dirty="0"/>
+              <a:t>节 北楼</a:t>
+            </a:r>
+            <a:r>
+              <a:rPr lang="en-US" altLang="zh-CN" sz="1050" dirty="0"/>
+              <a:t>1 1-0202, 0686026	</a:t>
+            </a:r>
+            <a:r>
+              <a:rPr lang="zh-CN" altLang="en-US" sz="1050" dirty="0"/>
+              <a:t>市场调研	</a:t>
+            </a:r>
+            <a:r>
+              <a:rPr lang="en-US" altLang="zh-CN" sz="1050" dirty="0"/>
+              <a:t>null	</a:t>
+            </a:r>
+            <a:r>
+              <a:rPr lang="zh-CN" altLang="en-US" sz="1050" dirty="0"/>
+              <a:t>李双喜	</a:t>
+            </a:r>
+            <a:r>
+              <a:rPr lang="en-US" altLang="zh-CN" sz="1050" dirty="0"/>
+              <a:t>2	null	null	2013	1	null	null</a:t>
+            </a:r>
+          </a:p>
+          <a:p>
+            <a:r>
+              <a:rPr lang="en-US" altLang="zh-CN" sz="1050" dirty="0"/>
+              <a:t>null, 0686416	</a:t>
+            </a:r>
+            <a:r>
+              <a:rPr lang="zh-CN" altLang="en-US" sz="1050" dirty="0"/>
+              <a:t>数据库课程设计	</a:t>
+            </a:r>
+            <a:r>
+              <a:rPr lang="en-US" altLang="zh-CN" sz="1050" dirty="0"/>
+              <a:t>null	</a:t>
+            </a:r>
+            <a:r>
+              <a:rPr lang="zh-CN" altLang="en-US" sz="1050" dirty="0"/>
+              <a:t>董晨	</a:t>
+            </a:r>
+            <a:r>
+              <a:rPr lang="en-US" altLang="zh-CN" sz="1050" dirty="0"/>
+              <a:t>2	null	null	2013	1	null	null</a:t>
+            </a:r>
+          </a:p>
+          <a:p>
+            <a:r>
+              <a:rPr lang="en-US" altLang="zh-CN" sz="1050" dirty="0"/>
+              <a:t>null, 0686046	</a:t>
             </a:r>
             <a:r>
               <a:rPr lang="zh-CN" altLang="en-US" sz="1050" dirty="0"/>
@@ -9333,486 +9987,9 @@
           <a:p>
             <a:r>
               <a:rPr lang="en-US" altLang="zh-CN" sz="1050" dirty="0"/>
-              <a:t>null, 0666136	</a:t>
-            </a:r>
-            <a:r>
-              <a:rPr lang="zh-CN" altLang="en-US" sz="1050" dirty="0"/>
-              <a:t>计算机结构	</a:t>
-            </a:r>
-            <a:r>
-              <a:rPr lang="en-US" altLang="zh-CN" sz="1050" dirty="0"/>
-              <a:t>null	null	3	null	null	2012	1	null	null</a:t>
-            </a:r>
-          </a:p>
-          <a:p>
-            <a:r>
-              <a:rPr lang="en-US" altLang="zh-CN" sz="1050" dirty="0"/>
-              <a:t>null, 0666166	</a:t>
-            </a:r>
-            <a:r>
-              <a:rPr lang="zh-CN" altLang="en-US" sz="1050" dirty="0"/>
-              <a:t>面向对象的程序设计	</a:t>
-            </a:r>
-            <a:r>
-              <a:rPr lang="en-US" altLang="zh-CN" sz="1050" dirty="0"/>
-              <a:t>null	null	3	null	null	2012	1	null	null</a:t>
-            </a:r>
-          </a:p>
-          <a:p>
-            <a:r>
-              <a:rPr lang="en-US" altLang="zh-CN" sz="1050" dirty="0"/>
-              <a:t>null, 0666196	</a:t>
-            </a:r>
-            <a:r>
-              <a:rPr lang="zh-CN" altLang="en-US" sz="1050" dirty="0"/>
-              <a:t>运筹学	</a:t>
-            </a:r>
-            <a:r>
-              <a:rPr lang="en-US" altLang="zh-CN" sz="1050" dirty="0"/>
-              <a:t>null	null	3	null	null	2012	1	null	null</a:t>
-            </a:r>
-          </a:p>
-          <a:p>
-            <a:r>
-              <a:rPr lang="en-US" altLang="zh-CN" sz="1050" dirty="0"/>
-              <a:t>null, 0666206	</a:t>
-            </a:r>
-            <a:r>
-              <a:rPr lang="zh-CN" altLang="en-US" sz="1050" dirty="0"/>
-              <a:t>网络体系结构与程序设计	</a:t>
-            </a:r>
-            <a:r>
-              <a:rPr lang="en-US" altLang="zh-CN" sz="1050" dirty="0"/>
-              <a:t>null	null	3	null	null	2012	1	null	null</a:t>
-            </a:r>
-          </a:p>
-          <a:p>
-            <a:r>
-              <a:rPr lang="en-US" altLang="zh-CN" sz="1050" dirty="0"/>
-              <a:t>null, 0666226	</a:t>
-            </a:r>
-            <a:r>
-              <a:rPr lang="zh-CN" altLang="en-US" sz="1050" dirty="0"/>
-              <a:t>数据库与功能分析	</a:t>
-            </a:r>
-            <a:r>
-              <a:rPr lang="en-US" altLang="zh-CN" sz="1050" dirty="0"/>
-              <a:t>null	null	3	null	null	2012	1	null	null</a:t>
-            </a:r>
-          </a:p>
-          <a:p>
-            <a:r>
-              <a:rPr lang="en-US" altLang="zh-CN" sz="1050" dirty="0"/>
-              <a:t>null, 0666336	</a:t>
-            </a:r>
-            <a:r>
-              <a:rPr lang="zh-CN" altLang="en-US" sz="1050" dirty="0"/>
-              <a:t>多媒体：概念与方法	</a:t>
-            </a:r>
-            <a:r>
-              <a:rPr lang="en-US" altLang="zh-CN" sz="1050" dirty="0"/>
-              <a:t>null	null	3	null	null	2012	1	null	null</a:t>
-            </a:r>
-          </a:p>
-          <a:p>
-            <a:r>
-              <a:rPr lang="en-US" altLang="zh-CN" sz="1050" dirty="0"/>
-              <a:t>null, 0668036	</a:t>
-            </a:r>
-            <a:r>
-              <a:rPr lang="zh-CN" altLang="en-US" sz="1050" dirty="0"/>
-              <a:t>操作系统	</a:t>
-            </a:r>
-            <a:r>
-              <a:rPr lang="en-US" altLang="zh-CN" sz="1050" dirty="0"/>
-              <a:t>null	null	4	null	null	2012	1	null	null</a:t>
-            </a:r>
-          </a:p>
-          <a:p>
-            <a:r>
-              <a:rPr lang="en-US" altLang="zh-CN" sz="1050" dirty="0"/>
-              <a:t>null, 1190076	</a:t>
-            </a:r>
-            <a:r>
-              <a:rPr lang="zh-CN" altLang="en-US" sz="1050" dirty="0"/>
-              <a:t>毛泽东思想和中国特色社会主义理论体系概论	</a:t>
-            </a:r>
-            <a:r>
-              <a:rPr lang="en-US" altLang="zh-CN" sz="1050" dirty="0"/>
-              <a:t>null	null	6	null	null	2012	1	null	null</a:t>
-            </a:r>
-          </a:p>
-          <a:p>
-            <a:r>
-              <a:rPr lang="en-US" altLang="zh-CN" sz="1050" dirty="0"/>
-              <a:t>null, 0662016	</a:t>
-            </a:r>
-            <a:r>
-              <a:rPr lang="zh-CN" altLang="en-US" sz="1050" dirty="0"/>
-              <a:t>计算机网络	</a:t>
-            </a:r>
-            <a:r>
-              <a:rPr lang="en-US" altLang="zh-CN" sz="1050" dirty="0"/>
-              <a:t>null	null	3	null	null	2012	2	null	null</a:t>
-            </a:r>
-          </a:p>
-          <a:p>
-            <a:r>
-              <a:rPr lang="en-US" altLang="zh-CN" sz="1050" dirty="0"/>
-              <a:t>null, 0666026	</a:t>
-            </a:r>
-            <a:r>
-              <a:rPr lang="zh-CN" altLang="en-US" sz="1050" dirty="0"/>
-              <a:t>会计学基础概念	</a:t>
-            </a:r>
-            <a:r>
-              <a:rPr lang="en-US" altLang="zh-CN" sz="1050" dirty="0"/>
-              <a:t>null	null	3	null	null	2012	2	null	null</a:t>
-            </a:r>
-          </a:p>
-          <a:p>
-            <a:r>
-              <a:rPr lang="en-US" altLang="zh-CN" sz="1050" dirty="0"/>
-              <a:t>null, 0666076	</a:t>
-            </a:r>
-            <a:r>
-              <a:rPr lang="zh-CN" altLang="en-US" sz="1050" dirty="0"/>
-              <a:t>软件工程：软件构件与软件重用	</a:t>
-            </a:r>
-            <a:r>
-              <a:rPr lang="en-US" altLang="zh-CN" sz="1050" dirty="0"/>
-              <a:t>null	null	3	null	null	2012	2	null	null</a:t>
-            </a:r>
-          </a:p>
-          <a:p>
-            <a:r>
-              <a:rPr lang="en-US" altLang="zh-CN" sz="1050" dirty="0"/>
-              <a:t>null, 0666096	</a:t>
-            </a:r>
-            <a:r>
-              <a:rPr lang="zh-CN" altLang="en-US" sz="1050" dirty="0"/>
-              <a:t>信息和电子商务技术	</a:t>
-            </a:r>
-            <a:r>
-              <a:rPr lang="en-US" altLang="zh-CN" sz="1050" dirty="0"/>
-              <a:t>null	null	3	null	null	2012	2	null	null</a:t>
-            </a:r>
-          </a:p>
-          <a:p>
-            <a:r>
-              <a:rPr lang="en-US" altLang="zh-CN" sz="1050" dirty="0"/>
-              <a:t>null, 0666146	</a:t>
-            </a:r>
-            <a:r>
-              <a:rPr lang="zh-CN" altLang="en-US" sz="1050" dirty="0"/>
-              <a:t>对象设计与建模	</a:t>
-            </a:r>
-            <a:r>
-              <a:rPr lang="en-US" altLang="zh-CN" sz="1050" dirty="0"/>
-              <a:t>null	null	3	null	null	2012	2	null	null</a:t>
-            </a:r>
-          </a:p>
-          <a:p>
-            <a:r>
-              <a:rPr lang="en-US" altLang="zh-CN" sz="1050" dirty="0"/>
-              <a:t>null, 0666236	</a:t>
-            </a:r>
-            <a:r>
-              <a:rPr lang="zh-CN" altLang="en-US" sz="1050" dirty="0"/>
-              <a:t>高级数据库	</a:t>
-            </a:r>
-            <a:r>
-              <a:rPr lang="en-US" altLang="zh-CN" sz="1050" dirty="0"/>
-              <a:t>null	null	3	null	null	2012	2	null	null</a:t>
-            </a:r>
-          </a:p>
-          <a:p>
-            <a:r>
-              <a:rPr lang="en-US" altLang="zh-CN" sz="1050" dirty="0"/>
-              <a:t>null, 0686016	</a:t>
-            </a:r>
-            <a:r>
-              <a:rPr lang="zh-CN" altLang="en-US" sz="1050" dirty="0"/>
-              <a:t>企划与项目开发	</a:t>
-            </a:r>
-            <a:r>
-              <a:rPr lang="en-US" altLang="zh-CN" sz="1050" dirty="0"/>
-              <a:t>null	null	3	null	null	2012	2	null	null</a:t>
-            </a:r>
-          </a:p>
-          <a:p>
-            <a:r>
-              <a:rPr lang="en-US" altLang="zh-CN" sz="1050" dirty="0"/>
-              <a:t>null, 0666036	</a:t>
-            </a:r>
-            <a:r>
-              <a:rPr lang="zh-CN" altLang="en-US" sz="1050" dirty="0"/>
-              <a:t>财务管理	</a:t>
-            </a:r>
-            <a:r>
-              <a:rPr lang="en-US" altLang="zh-CN" sz="1050" dirty="0"/>
-              <a:t>null	</a:t>
-            </a:r>
-            <a:r>
-              <a:rPr lang="zh-CN" altLang="en-US" sz="1050" dirty="0"/>
-              <a:t>郭力杰	</a:t>
-            </a:r>
-            <a:r>
-              <a:rPr lang="en-US" altLang="zh-CN" sz="1050" dirty="0"/>
-              <a:t>3	null	null	2013	1	null	null</a:t>
-            </a:r>
-          </a:p>
-          <a:p>
-            <a:r>
-              <a:rPr lang="en-US" altLang="zh-CN" sz="1050" dirty="0"/>
-              <a:t>1-5,8-14 </a:t>
-            </a:r>
-            <a:r>
-              <a:rPr lang="zh-CN" altLang="en-US" sz="1050" dirty="0"/>
-              <a:t>周 星期三 </a:t>
-            </a:r>
-            <a:r>
-              <a:rPr lang="en-US" altLang="zh-CN" sz="1050" dirty="0"/>
-              <a:t>3-4 </a:t>
-            </a:r>
-            <a:r>
-              <a:rPr lang="zh-CN" altLang="en-US" sz="1050" dirty="0"/>
-              <a:t>节 北楼</a:t>
-            </a:r>
-            <a:r>
-              <a:rPr lang="en-US" altLang="zh-CN" sz="1050" dirty="0"/>
-              <a:t>3 3-0201</a:t>
-            </a:r>
-          </a:p>
-          <a:p>
-            <a:r>
-              <a:rPr lang="en-US" altLang="zh-CN" sz="1050" dirty="0"/>
-              <a:t>1-5,8-14 </a:t>
-            </a:r>
-            <a:r>
-              <a:rPr lang="zh-CN" altLang="en-US" sz="1050" dirty="0"/>
-              <a:t>周 星期一 </a:t>
-            </a:r>
-            <a:r>
-              <a:rPr lang="en-US" altLang="zh-CN" sz="1050" dirty="0"/>
-              <a:t>7-8 </a:t>
-            </a:r>
-            <a:r>
-              <a:rPr lang="zh-CN" altLang="en-US" sz="1050" dirty="0"/>
-              <a:t>节 北楼</a:t>
-            </a:r>
-            <a:r>
-              <a:rPr lang="en-US" altLang="zh-CN" sz="1050" dirty="0"/>
-              <a:t>3 3-0201, 0666106	</a:t>
-            </a:r>
-            <a:r>
-              <a:rPr lang="zh-CN" altLang="en-US" sz="1050" dirty="0"/>
-              <a:t>计算机项目管理	</a:t>
-            </a:r>
-            <a:r>
-              <a:rPr lang="en-US" altLang="zh-CN" sz="1050" dirty="0"/>
-              <a:t>null	</a:t>
-            </a:r>
-            <a:r>
-              <a:rPr lang="zh-CN" altLang="en-US" sz="1050" dirty="0"/>
-              <a:t>夏承遗	</a:t>
-            </a:r>
-            <a:r>
-              <a:rPr lang="en-US" altLang="zh-CN" sz="1050" dirty="0"/>
-              <a:t>3	null	null	2013	1	null	null</a:t>
-            </a:r>
-          </a:p>
-          <a:p>
-            <a:r>
-              <a:rPr lang="en-US" altLang="zh-CN" sz="1050" dirty="0"/>
-              <a:t>1-5,8-14 </a:t>
-            </a:r>
-            <a:r>
-              <a:rPr lang="zh-CN" altLang="en-US" sz="1050" dirty="0"/>
-              <a:t>周 星期五 </a:t>
-            </a:r>
-            <a:r>
-              <a:rPr lang="en-US" altLang="zh-CN" sz="1050" dirty="0"/>
-              <a:t>3-4 </a:t>
-            </a:r>
-            <a:r>
-              <a:rPr lang="zh-CN" altLang="en-US" sz="1050" dirty="0"/>
-              <a:t>节 北楼</a:t>
-            </a:r>
-            <a:r>
-              <a:rPr lang="en-US" altLang="zh-CN" sz="1050" dirty="0"/>
-              <a:t>1 1-0202</a:t>
-            </a:r>
-          </a:p>
-          <a:p>
-            <a:r>
-              <a:rPr lang="en-US" altLang="zh-CN" sz="1050" dirty="0"/>
-              <a:t>1,3,5,9,11 </a:t>
-            </a:r>
-            <a:r>
-              <a:rPr lang="zh-CN" altLang="en-US" sz="1050" dirty="0"/>
-              <a:t>周 星期二 </a:t>
-            </a:r>
-            <a:r>
-              <a:rPr lang="en-US" altLang="zh-CN" sz="1050" dirty="0"/>
-              <a:t>7-8 </a:t>
-            </a:r>
-            <a:r>
-              <a:rPr lang="zh-CN" altLang="en-US" sz="1050" dirty="0"/>
-              <a:t>节 北楼</a:t>
-            </a:r>
-            <a:r>
-              <a:rPr lang="en-US" altLang="zh-CN" sz="1050" dirty="0"/>
-              <a:t>1 1-0202, 0666176	</a:t>
-            </a:r>
-            <a:r>
-              <a:rPr lang="zh-CN" altLang="en-US" sz="1050" dirty="0"/>
-              <a:t>工业计算机系统	</a:t>
-            </a:r>
-            <a:r>
-              <a:rPr lang="en-US" altLang="zh-CN" sz="1050" dirty="0"/>
-              <a:t>null	</a:t>
-            </a:r>
-            <a:r>
-              <a:rPr lang="zh-CN" altLang="en-US" sz="1050" dirty="0"/>
-              <a:t>杨鹏	</a:t>
-            </a:r>
-            <a:r>
-              <a:rPr lang="en-US" altLang="zh-CN" sz="1050" dirty="0"/>
-              <a:t>3	null	null	2013	1	null	null</a:t>
-            </a:r>
-          </a:p>
-          <a:p>
-            <a:r>
-              <a:rPr lang="en-US" altLang="zh-CN" sz="1050" dirty="0"/>
-              <a:t>null, 0666266	</a:t>
-            </a:r>
-            <a:r>
-              <a:rPr lang="zh-CN" altLang="en-US" sz="1050" dirty="0"/>
-              <a:t>分布式计算机系统	</a:t>
-            </a:r>
-            <a:r>
-              <a:rPr lang="en-US" altLang="zh-CN" sz="1050" dirty="0"/>
-              <a:t>null	</a:t>
-            </a:r>
-            <a:r>
-              <a:rPr lang="zh-CN" altLang="en-US" sz="1050" dirty="0"/>
-              <a:t>蔡靖	</a:t>
-            </a:r>
-            <a:r>
-              <a:rPr lang="en-US" altLang="zh-CN" sz="1050" dirty="0"/>
-              <a:t>3	null	null	2013	1	null	null</a:t>
-            </a:r>
-          </a:p>
-          <a:p>
-            <a:r>
-              <a:rPr lang="en-US" altLang="zh-CN" sz="1050" dirty="0"/>
-              <a:t>null, 0666276	</a:t>
-            </a:r>
-            <a:r>
-              <a:rPr lang="zh-CN" altLang="en-US" sz="1050" dirty="0"/>
-              <a:t>微机硬件组成原理	</a:t>
-            </a:r>
-            <a:r>
-              <a:rPr lang="en-US" altLang="zh-CN" sz="1050" dirty="0"/>
-              <a:t>null	</a:t>
-            </a:r>
-            <a:r>
-              <a:rPr lang="zh-CN" altLang="en-US" sz="1050" dirty="0"/>
-              <a:t>韩盛磊	</a:t>
-            </a:r>
-            <a:r>
-              <a:rPr lang="en-US" altLang="zh-CN" sz="1050" dirty="0"/>
-              <a:t>3	null	null	2013	1	null	null</a:t>
-            </a:r>
-          </a:p>
-          <a:p>
-            <a:r>
-              <a:rPr lang="en-US" altLang="zh-CN" sz="1050" dirty="0"/>
-              <a:t>1-5,8-14 </a:t>
-            </a:r>
-            <a:r>
-              <a:rPr lang="zh-CN" altLang="en-US" sz="1050" dirty="0"/>
-              <a:t>周 星期五 </a:t>
-            </a:r>
-            <a:r>
-              <a:rPr lang="en-US" altLang="zh-CN" sz="1050" dirty="0"/>
-              <a:t>1-2 </a:t>
-            </a:r>
-            <a:r>
-              <a:rPr lang="zh-CN" altLang="en-US" sz="1050" dirty="0"/>
-              <a:t>节 北楼</a:t>
-            </a:r>
-            <a:r>
-              <a:rPr lang="en-US" altLang="zh-CN" sz="1050" dirty="0"/>
-              <a:t>1 1-0202</a:t>
-            </a:r>
-          </a:p>
-          <a:p>
-            <a:r>
-              <a:rPr lang="en-US" altLang="zh-CN" sz="1050" dirty="0"/>
-              <a:t>1-5,8-15 </a:t>
-            </a:r>
-            <a:r>
-              <a:rPr lang="zh-CN" altLang="en-US" sz="1050" dirty="0"/>
-              <a:t>周 星期二 </a:t>
-            </a:r>
-            <a:r>
-              <a:rPr lang="en-US" altLang="zh-CN" sz="1050" dirty="0"/>
-              <a:t>1-2 </a:t>
-            </a:r>
-            <a:r>
-              <a:rPr lang="zh-CN" altLang="en-US" sz="1050" dirty="0"/>
-              <a:t>节 北楼</a:t>
-            </a:r>
-            <a:r>
-              <a:rPr lang="en-US" altLang="zh-CN" sz="1050" dirty="0"/>
-              <a:t>1 1-0202, 0686026	</a:t>
-            </a:r>
-            <a:r>
-              <a:rPr lang="zh-CN" altLang="en-US" sz="1050" dirty="0"/>
-              <a:t>市场调研	</a:t>
-            </a:r>
-            <a:r>
-              <a:rPr lang="en-US" altLang="zh-CN" sz="1050" dirty="0"/>
-              <a:t>null	</a:t>
-            </a:r>
-            <a:r>
-              <a:rPr lang="zh-CN" altLang="en-US" sz="1050" dirty="0"/>
-              <a:t>李双喜	</a:t>
-            </a:r>
-            <a:r>
-              <a:rPr lang="en-US" altLang="zh-CN" sz="1050" dirty="0"/>
-              <a:t>2	null	null	2013	1	null	null</a:t>
-            </a:r>
-          </a:p>
-          <a:p>
-            <a:r>
-              <a:rPr lang="en-US" altLang="zh-CN" sz="1050" dirty="0"/>
-              <a:t>null, 0686416	</a:t>
-            </a:r>
-            <a:r>
-              <a:rPr lang="zh-CN" altLang="en-US" sz="1050" dirty="0"/>
-              <a:t>数据库课程设计	</a:t>
-            </a:r>
-            <a:r>
-              <a:rPr lang="en-US" altLang="zh-CN" sz="1050" dirty="0"/>
-              <a:t>null	</a:t>
-            </a:r>
-            <a:r>
-              <a:rPr lang="zh-CN" altLang="en-US" sz="1050" dirty="0"/>
-              <a:t>董晨	</a:t>
-            </a:r>
-            <a:r>
-              <a:rPr lang="en-US" altLang="zh-CN" sz="1050" dirty="0"/>
-              <a:t>2	null	null	2013	1	null	null</a:t>
-            </a:r>
-          </a:p>
-          <a:p>
-            <a:r>
-              <a:rPr lang="en-US" altLang="zh-CN" sz="1050" dirty="0"/>
               <a:t>null]</a:t>
             </a:r>
+            <a:endParaRPr lang="en-US" altLang="zh-CN" sz="1050" dirty="0"/>
           </a:p>
         </p:txBody>
       </p:sp>
